--- a/template-manipulation-spring/src/main/resources/template-files/[Java] Amaris & Prudential Kick-off Project_CS Name_DD.MM.YYYY copy.pptx
+++ b/template-manipulation-spring/src/main/resources/template-files/[Java] Amaris & Prudential Kick-off Project_CS Name_DD.MM.YYYY copy.pptx
@@ -5,20 +5,21 @@
     <p:sldMasterId id="2147483648" r:id="rId4"/>
   </p:sldMasterIdLst>
   <p:notesMasterIdLst>
-    <p:notesMasterId r:id="rId13"/>
+    <p:notesMasterId r:id="rId14"/>
   </p:notesMasterIdLst>
   <p:handoutMasterIdLst>
-    <p:handoutMasterId r:id="rId14"/>
+    <p:handoutMasterId r:id="rId15"/>
   </p:handoutMasterIdLst>
   <p:sldIdLst>
     <p:sldId id="260" r:id="rId5"/>
     <p:sldId id="322" r:id="rId6"/>
-    <p:sldId id="361" r:id="rId7"/>
-    <p:sldId id="362" r:id="rId8"/>
-    <p:sldId id="363" r:id="rId9"/>
-    <p:sldId id="619" r:id="rId10"/>
-    <p:sldId id="958" r:id="rId11"/>
-    <p:sldId id="347" r:id="rId12"/>
+    <p:sldId id="959" r:id="rId7"/>
+    <p:sldId id="361" r:id="rId8"/>
+    <p:sldId id="362" r:id="rId9"/>
+    <p:sldId id="363" r:id="rId10"/>
+    <p:sldId id="619" r:id="rId11"/>
+    <p:sldId id="958" r:id="rId12"/>
+    <p:sldId id="347" r:id="rId13"/>
   </p:sldIdLst>
   <p:sldSz cx="12192000" cy="6858000"/>
   <p:notesSz cx="6858000" cy="9144000"/>
@@ -124,6 +125,7 @@
           <p14:sldIdLst>
             <p14:sldId id="260"/>
             <p14:sldId id="322"/>
+            <p14:sldId id="959"/>
             <p14:sldId id="361"/>
             <p14:sldId id="362"/>
             <p14:sldId id="363"/>
@@ -754,7 +756,7 @@
           <a:p>
             <a:fld id="{3EE085D4-E4FA-477E-AA0E-84B326239FBB}" type="slidenum">
               <a:rPr lang="en-US" smtClean="0"/>
-              <a:t>3</a:t>
+              <a:t>4</a:t>
             </a:fld>
             <a:endParaRPr lang="en-US"/>
           </a:p>
@@ -838,7 +840,7 @@
           <a:p>
             <a:fld id="{3EE085D4-E4FA-477E-AA0E-84B326239FBB}" type="slidenum">
               <a:rPr lang="en-US" smtClean="0"/>
-              <a:t>4</a:t>
+              <a:t>5</a:t>
             </a:fld>
             <a:endParaRPr lang="en-US"/>
           </a:p>
@@ -922,7 +924,7 @@
           <a:p>
             <a:fld id="{3EE085D4-E4FA-477E-AA0E-84B326239FBB}" type="slidenum">
               <a:rPr lang="en-US" smtClean="0"/>
-              <a:t>5</a:t>
+              <a:t>6</a:t>
             </a:fld>
             <a:endParaRPr lang="en-US"/>
           </a:p>
@@ -1006,7 +1008,7 @@
           <a:p>
             <a:fld id="{3EE085D4-E4FA-477E-AA0E-84B326239FBB}" type="slidenum">
               <a:rPr lang="en-US" smtClean="0"/>
-              <a:t>6</a:t>
+              <a:t>7</a:t>
             </a:fld>
             <a:endParaRPr lang="en-US"/>
           </a:p>
@@ -1090,7 +1092,7 @@
           <a:p>
             <a:fld id="{CA4C7557-BDDD-4558-98CB-008DF0BBEF3F}" type="slidenum">
               <a:rPr lang="fr-FR" smtClean="0"/>
-              <a:t>7</a:t>
+              <a:t>8</a:t>
             </a:fld>
             <a:endParaRPr lang="fr-FR"/>
           </a:p>
@@ -22208,8 +22210,8 @@
         </p:nvSpPr>
         <p:spPr>
           <a:xfrm>
-            <a:off x="580780" y="803049"/>
-            <a:ext cx="7088062" cy="5402597"/>
+            <a:off x="580780" y="803050"/>
+            <a:ext cx="7088062" cy="607462"/>
           </a:xfrm>
           <a:prstGeom prst="rect">
             <a:avLst/>
@@ -22217,7 +22219,7 @@
         </p:spPr>
         <p:txBody>
           <a:bodyPr>
-            <a:noAutofit/>
+            <a:spAutoFit/>
           </a:bodyPr>
           <a:lstStyle>
             <a:lvl1pPr marL="228600" indent="-228600" algn="l" defTabSz="914400" rtl="0" eaLnBrk="1" latinLnBrk="0" hangingPunct="1">
@@ -22449,283 +22451,7 @@
                   <a:schemeClr val="tx1"/>
                 </a:solidFill>
               </a:rPr>
-              <a:t>: Software Engineer </a:t>
-            </a:r>
-            <a:endParaRPr lang="en-GB" sz="1400" dirty="0">
-              <a:solidFill>
-                <a:schemeClr val="tx1"/>
-              </a:solidFill>
-              <a:sym typeface="Wingdings" panose="05000000000000000000" pitchFamily="2" charset="2"/>
-            </a:endParaRPr>
-          </a:p>
-          <a:p>
-            <a:pPr lvl="1">
-              <a:buFont typeface="Wingdings" panose="05000000000000000000" pitchFamily="2" charset="2"/>
-              <a:buChar char="Ø"/>
-            </a:pPr>
-            <a:r>
-              <a:rPr lang="en-GB" sz="1400" dirty="0">
-                <a:solidFill>
-                  <a:schemeClr val="tx1"/>
-                </a:solidFill>
-              </a:rPr>
-              <a:t>Apply the knowledge of OOP, Java, Spring boot, Spring JPA, Spring schedule, Microservices, Postgres, Oracle, MongoDB, etc. to develop products’ features. </a:t>
-            </a:r>
-          </a:p>
-          <a:p>
-            <a:pPr lvl="1">
-              <a:buFont typeface="Wingdings" panose="05000000000000000000" pitchFamily="2" charset="2"/>
-              <a:buChar char="Ø"/>
-            </a:pPr>
-            <a:r>
-              <a:rPr lang="en-GB" sz="1400" dirty="0">
-                <a:solidFill>
-                  <a:schemeClr val="tx1"/>
-                </a:solidFill>
-              </a:rPr>
-              <a:t>Be familiar with tools: </a:t>
-            </a:r>
-            <a:r>
-              <a:rPr lang="en-GB" sz="1400" dirty="0" err="1">
-                <a:solidFill>
-                  <a:schemeClr val="tx1"/>
-                </a:solidFill>
-              </a:rPr>
-              <a:t>Intellji</a:t>
-            </a:r>
-            <a:r>
-              <a:rPr lang="en-GB" sz="1400" dirty="0">
-                <a:solidFill>
-                  <a:schemeClr val="tx1"/>
-                </a:solidFill>
-              </a:rPr>
-              <a:t>, Kafka, Flowable... </a:t>
-            </a:r>
-          </a:p>
-          <a:p>
-            <a:pPr lvl="1">
-              <a:buFont typeface="Wingdings" panose="05000000000000000000" pitchFamily="2" charset="2"/>
-              <a:buChar char="Ø"/>
-            </a:pPr>
-            <a:r>
-              <a:rPr lang="en-GB" sz="1400" dirty="0">
-                <a:solidFill>
-                  <a:schemeClr val="tx1"/>
-                </a:solidFill>
-              </a:rPr>
-              <a:t>Understand the business flows/ system concepts. </a:t>
-            </a:r>
-          </a:p>
-          <a:p>
-            <a:pPr lvl="1">
-              <a:buFont typeface="Wingdings" panose="05000000000000000000" pitchFamily="2" charset="2"/>
-              <a:buChar char="Ø"/>
-            </a:pPr>
-            <a:r>
-              <a:rPr lang="en-GB" sz="1400" dirty="0">
-                <a:solidFill>
-                  <a:schemeClr val="tx1"/>
-                </a:solidFill>
-              </a:rPr>
-              <a:t>Practice with various partners in team to get familiar with the delivery process. </a:t>
-            </a:r>
-          </a:p>
-          <a:p>
-            <a:pPr lvl="1">
-              <a:buFont typeface="Wingdings" panose="05000000000000000000" pitchFamily="2" charset="2"/>
-              <a:buChar char="Ø"/>
-            </a:pPr>
-            <a:r>
-              <a:rPr lang="en-GB" sz="1400" dirty="0">
-                <a:solidFill>
-                  <a:schemeClr val="tx1"/>
-                </a:solidFill>
-              </a:rPr>
-              <a:t>Perform the assigned tasks well. </a:t>
-            </a:r>
-          </a:p>
-          <a:p>
-            <a:pPr lvl="1">
-              <a:buFont typeface="Wingdings" panose="05000000000000000000" pitchFamily="2" charset="2"/>
-              <a:buChar char="Ø"/>
-            </a:pPr>
-            <a:r>
-              <a:rPr lang="en-GB" sz="1400" dirty="0">
-                <a:solidFill>
-                  <a:schemeClr val="tx1"/>
-                </a:solidFill>
-              </a:rPr>
-              <a:t>Be well-engaged with team / stakeholders. </a:t>
-            </a:r>
-          </a:p>
-          <a:p>
-            <a:pPr lvl="1">
-              <a:buFont typeface="Wingdings" panose="05000000000000000000" pitchFamily="2" charset="2"/>
-              <a:buChar char="Ø"/>
-            </a:pPr>
-            <a:r>
-              <a:rPr lang="en-GB" sz="1400" dirty="0">
-                <a:solidFill>
-                  <a:schemeClr val="tx1"/>
-                </a:solidFill>
-              </a:rPr>
-              <a:t>Attitude: honest, transparent, proactive. </a:t>
-            </a:r>
-          </a:p>
-          <a:p>
-            <a:r>
-              <a:rPr lang="en-GB" sz="1400" u="sng" dirty="0">
-                <a:solidFill>
-                  <a:schemeClr val="tx1"/>
-                </a:solidFill>
-              </a:rPr>
-              <a:t>Timeline: </a:t>
-            </a:r>
-            <a:r>
-              <a:rPr lang="en-GB" sz="1400" dirty="0">
-                <a:solidFill>
-                  <a:schemeClr val="tx1"/>
-                </a:solidFill>
-              </a:rPr>
-              <a:t>Follow timeline of release</a:t>
-            </a:r>
-          </a:p>
-          <a:p>
-            <a:r>
-              <a:rPr lang="en-GB" sz="1400" u="sng" dirty="0">
-                <a:solidFill>
-                  <a:schemeClr val="tx1"/>
-                </a:solidFill>
-              </a:rPr>
-              <a:t>Expectation:</a:t>
-            </a:r>
-          </a:p>
-          <a:p>
-            <a:pPr lvl="1">
-              <a:buFont typeface="Wingdings" panose="05000000000000000000" pitchFamily="2" charset="2"/>
-              <a:buChar char="Ø"/>
-            </a:pPr>
-            <a:r>
-              <a:rPr lang="en-GB" sz="1400" dirty="0">
-                <a:solidFill>
-                  <a:schemeClr val="tx1"/>
-                </a:solidFill>
-              </a:rPr>
-              <a:t>Qualified output corresponding with the assigned tasks.</a:t>
-            </a:r>
-          </a:p>
-          <a:p>
-            <a:pPr lvl="1">
-              <a:buFont typeface="Wingdings" panose="05000000000000000000" pitchFamily="2" charset="2"/>
-              <a:buChar char="Ø"/>
-            </a:pPr>
-            <a:r>
-              <a:rPr lang="en-GB" sz="1400" dirty="0">
-                <a:solidFill>
-                  <a:schemeClr val="tx1"/>
-                </a:solidFill>
-              </a:rPr>
-              <a:t>Good team engagement, integration and collaboration. </a:t>
-            </a:r>
-          </a:p>
-          <a:p>
-            <a:r>
-              <a:rPr lang="en-GB" sz="1400" u="sng" dirty="0">
-                <a:solidFill>
-                  <a:schemeClr val="tx1"/>
-                </a:solidFill>
-              </a:rPr>
-              <a:t>Escalation points:</a:t>
-            </a:r>
-          </a:p>
-          <a:p>
-            <a:pPr lvl="1">
-              <a:buFont typeface="Wingdings" panose="05000000000000000000" pitchFamily="2" charset="2"/>
-              <a:buChar char="Ø"/>
-            </a:pPr>
-            <a:r>
-              <a:rPr lang="en-GB" sz="1400" i="1" dirty="0">
-                <a:solidFill>
-                  <a:schemeClr val="tx1"/>
-                </a:solidFill>
-              </a:rPr>
-              <a:t>Mr. Nguyen Duc Thanh – Software Engineering Manager</a:t>
-            </a:r>
-          </a:p>
-          <a:p>
-            <a:pPr lvl="1">
-              <a:buFont typeface="Wingdings" panose="05000000000000000000" pitchFamily="2" charset="2"/>
-              <a:buChar char="Ø"/>
-            </a:pPr>
-            <a:r>
-              <a:rPr lang="en-GB" sz="1400" i="1" dirty="0">
-                <a:solidFill>
-                  <a:schemeClr val="tx1"/>
-                </a:solidFill>
-              </a:rPr>
-              <a:t>Mr. Nguyen Tran </a:t>
-            </a:r>
-            <a:r>
-              <a:rPr lang="en-GB" sz="1400" i="1" dirty="0" err="1">
-                <a:solidFill>
-                  <a:schemeClr val="tx1"/>
-                </a:solidFill>
-              </a:rPr>
-              <a:t>Huy</a:t>
-            </a:r>
-            <a:r>
-              <a:rPr lang="en-GB" sz="1400" i="1" dirty="0">
-                <a:solidFill>
-                  <a:schemeClr val="tx1"/>
-                </a:solidFill>
-              </a:rPr>
-              <a:t> Tan – Technology Delivery Manager</a:t>
-            </a:r>
-          </a:p>
-          <a:p>
-            <a:pPr lvl="1">
-              <a:buFont typeface="Wingdings" panose="05000000000000000000" pitchFamily="2" charset="2"/>
-              <a:buChar char="Ø"/>
-            </a:pPr>
-            <a:r>
-              <a:rPr lang="en-GB" sz="1400" i="1" dirty="0">
-                <a:solidFill>
-                  <a:schemeClr val="tx1"/>
-                </a:solidFill>
-              </a:rPr>
-              <a:t>Mr. Le Ba </a:t>
-            </a:r>
-            <a:r>
-              <a:rPr lang="en-GB" sz="1400" i="1" dirty="0" err="1">
-                <a:solidFill>
-                  <a:schemeClr val="tx1"/>
-                </a:solidFill>
-              </a:rPr>
-              <a:t>Trong</a:t>
-            </a:r>
-            <a:r>
-              <a:rPr lang="en-GB" sz="1400" i="1" dirty="0">
-                <a:solidFill>
-                  <a:schemeClr val="tx1"/>
-                </a:solidFill>
-              </a:rPr>
-              <a:t> </a:t>
-            </a:r>
-            <a:r>
-              <a:rPr lang="en-GB" sz="1400" i="1" dirty="0" err="1">
-                <a:solidFill>
-                  <a:schemeClr val="tx1"/>
-                </a:solidFill>
-              </a:rPr>
-              <a:t>Khang</a:t>
-            </a:r>
-            <a:r>
-              <a:rPr lang="en-GB" sz="1400" i="1" dirty="0">
-                <a:solidFill>
-                  <a:schemeClr val="tx1"/>
-                </a:solidFill>
-              </a:rPr>
-              <a:t> – Software and Data Engineering Manager</a:t>
+              <a:t>:  </a:t>
             </a:r>
           </a:p>
         </p:txBody>
@@ -23046,6 +22772,864 @@
           </a:graphicData>
         </a:graphic>
       </p:graphicFrame>
+      <p:sp>
+        <p:nvSpPr>
+          <p:cNvPr id="3" name="Subtitle 2">
+            <a:extLst>
+              <a:ext uri="{FF2B5EF4-FFF2-40B4-BE49-F238E27FC236}">
+                <a16:creationId xmlns:a16="http://schemas.microsoft.com/office/drawing/2014/main" id="{A9D74E72-0643-5709-6CFA-13A5387A3FEF}"/>
+              </a:ext>
+            </a:extLst>
+          </p:cNvPr>
+          <p:cNvSpPr txBox="1">
+            <a:spLocks/>
+          </p:cNvSpPr>
+          <p:nvPr/>
+        </p:nvSpPr>
+        <p:spPr>
+          <a:xfrm>
+            <a:off x="580779" y="1399276"/>
+            <a:ext cx="6968319" cy="738151"/>
+          </a:xfrm>
+          <a:prstGeom prst="rect">
+            <a:avLst/>
+          </a:prstGeom>
+        </p:spPr>
+        <p:txBody>
+          <a:bodyPr>
+            <a:spAutoFit/>
+          </a:bodyPr>
+          <a:lstStyle>
+            <a:lvl1pPr marL="228600" indent="-228600" algn="l" defTabSz="914400" rtl="0" eaLnBrk="1" latinLnBrk="0" hangingPunct="1">
+              <a:lnSpc>
+                <a:spcPct val="90000"/>
+              </a:lnSpc>
+              <a:spcBef>
+                <a:spcPts val="1000"/>
+              </a:spcBef>
+              <a:buFontTx/>
+              <a:buBlip>
+                <a:blip r:embed="rId2"/>
+              </a:buBlip>
+              <a:defRPr sz="1600" kern="1200">
+                <a:solidFill>
+                  <a:schemeClr val="tx1">
+                    <a:lumMod val="50000"/>
+                    <a:lumOff val="50000"/>
+                  </a:schemeClr>
+                </a:solidFill>
+                <a:latin typeface="+mn-lt"/>
+                <a:ea typeface="+mn-ea"/>
+                <a:cs typeface="+mn-cs"/>
+              </a:defRPr>
+            </a:lvl1pPr>
+            <a:lvl2pPr marL="685800" indent="-228600" algn="l" defTabSz="914400" rtl="0" eaLnBrk="1" latinLnBrk="0" hangingPunct="1">
+              <a:lnSpc>
+                <a:spcPct val="90000"/>
+              </a:lnSpc>
+              <a:spcBef>
+                <a:spcPts val="500"/>
+              </a:spcBef>
+              <a:buClr>
+                <a:schemeClr val="accent3"/>
+              </a:buClr>
+              <a:buFont typeface="Arial" panose="020B0604020202020204" pitchFamily="34" charset="0"/>
+              <a:buChar char="•"/>
+              <a:defRPr sz="1600" kern="1200">
+                <a:solidFill>
+                  <a:schemeClr val="tx1">
+                    <a:lumMod val="50000"/>
+                    <a:lumOff val="50000"/>
+                  </a:schemeClr>
+                </a:solidFill>
+                <a:latin typeface="+mn-lt"/>
+                <a:ea typeface="+mn-ea"/>
+                <a:cs typeface="+mn-cs"/>
+              </a:defRPr>
+            </a:lvl2pPr>
+            <a:lvl3pPr marL="1143000" indent="-228600" algn="l" defTabSz="914400" rtl="0" eaLnBrk="1" latinLnBrk="0" hangingPunct="1">
+              <a:lnSpc>
+                <a:spcPct val="90000"/>
+              </a:lnSpc>
+              <a:spcBef>
+                <a:spcPts val="500"/>
+              </a:spcBef>
+              <a:buClr>
+                <a:schemeClr val="tx1">
+                  <a:lumMod val="50000"/>
+                  <a:lumOff val="50000"/>
+                </a:schemeClr>
+              </a:buClr>
+              <a:buFont typeface="Arial" panose="020B0604020202020204" pitchFamily="34" charset="0"/>
+              <a:buChar char="•"/>
+              <a:defRPr sz="1600" kern="1200">
+                <a:solidFill>
+                  <a:schemeClr val="tx1">
+                    <a:lumMod val="50000"/>
+                    <a:lumOff val="50000"/>
+                  </a:schemeClr>
+                </a:solidFill>
+                <a:latin typeface="+mn-lt"/>
+                <a:ea typeface="+mn-ea"/>
+                <a:cs typeface="+mn-cs"/>
+              </a:defRPr>
+            </a:lvl3pPr>
+            <a:lvl4pPr marL="1600200" indent="-228600" algn="l" defTabSz="914400" rtl="0" eaLnBrk="1" latinLnBrk="0" hangingPunct="1">
+              <a:lnSpc>
+                <a:spcPct val="90000"/>
+              </a:lnSpc>
+              <a:spcBef>
+                <a:spcPts val="500"/>
+              </a:spcBef>
+              <a:buClr>
+                <a:schemeClr val="tx1">
+                  <a:lumMod val="50000"/>
+                  <a:lumOff val="50000"/>
+                </a:schemeClr>
+              </a:buClr>
+              <a:buFont typeface="Arial" panose="020B0604020202020204" pitchFamily="34" charset="0"/>
+              <a:buChar char="•"/>
+              <a:defRPr sz="1600" kern="1200">
+                <a:solidFill>
+                  <a:schemeClr val="tx1">
+                    <a:lumMod val="50000"/>
+                    <a:lumOff val="50000"/>
+                  </a:schemeClr>
+                </a:solidFill>
+                <a:latin typeface="+mn-lt"/>
+                <a:ea typeface="+mn-ea"/>
+                <a:cs typeface="+mn-cs"/>
+              </a:defRPr>
+            </a:lvl4pPr>
+            <a:lvl5pPr marL="2057400" indent="-228600" algn="l" defTabSz="914400" rtl="0" eaLnBrk="1" latinLnBrk="0" hangingPunct="1">
+              <a:lnSpc>
+                <a:spcPct val="90000"/>
+              </a:lnSpc>
+              <a:spcBef>
+                <a:spcPts val="500"/>
+              </a:spcBef>
+              <a:buClr>
+                <a:schemeClr val="tx1">
+                  <a:lumMod val="50000"/>
+                  <a:lumOff val="50000"/>
+                </a:schemeClr>
+              </a:buClr>
+              <a:buFont typeface="Arial" panose="020B0604020202020204" pitchFamily="34" charset="0"/>
+              <a:buChar char="•"/>
+              <a:defRPr sz="1600" kern="1200">
+                <a:solidFill>
+                  <a:schemeClr val="tx1">
+                    <a:lumMod val="50000"/>
+                    <a:lumOff val="50000"/>
+                  </a:schemeClr>
+                </a:solidFill>
+                <a:latin typeface="+mn-lt"/>
+                <a:ea typeface="+mn-ea"/>
+                <a:cs typeface="+mn-cs"/>
+              </a:defRPr>
+            </a:lvl5pPr>
+            <a:lvl6pPr marL="2514600" indent="-228600" algn="l" defTabSz="914400" rtl="0" eaLnBrk="1" latinLnBrk="0" hangingPunct="1">
+              <a:lnSpc>
+                <a:spcPct val="90000"/>
+              </a:lnSpc>
+              <a:spcBef>
+                <a:spcPts val="500"/>
+              </a:spcBef>
+              <a:buFont typeface="Arial" panose="020B0604020202020204" pitchFamily="34" charset="0"/>
+              <a:buChar char="•"/>
+              <a:defRPr sz="1800" kern="1200">
+                <a:solidFill>
+                  <a:schemeClr val="tx1"/>
+                </a:solidFill>
+                <a:latin typeface="+mn-lt"/>
+                <a:ea typeface="+mn-ea"/>
+                <a:cs typeface="+mn-cs"/>
+              </a:defRPr>
+            </a:lvl6pPr>
+            <a:lvl7pPr marL="2971800" indent="-228600" algn="l" defTabSz="914400" rtl="0" eaLnBrk="1" latinLnBrk="0" hangingPunct="1">
+              <a:lnSpc>
+                <a:spcPct val="90000"/>
+              </a:lnSpc>
+              <a:spcBef>
+                <a:spcPts val="500"/>
+              </a:spcBef>
+              <a:buFont typeface="Arial" panose="020B0604020202020204" pitchFamily="34" charset="0"/>
+              <a:buChar char="•"/>
+              <a:defRPr sz="1800" kern="1200">
+                <a:solidFill>
+                  <a:schemeClr val="tx1"/>
+                </a:solidFill>
+                <a:latin typeface="+mn-lt"/>
+                <a:ea typeface="+mn-ea"/>
+                <a:cs typeface="+mn-cs"/>
+              </a:defRPr>
+            </a:lvl7pPr>
+            <a:lvl8pPr marL="3429000" indent="-228600" algn="l" defTabSz="914400" rtl="0" eaLnBrk="1" latinLnBrk="0" hangingPunct="1">
+              <a:lnSpc>
+                <a:spcPct val="90000"/>
+              </a:lnSpc>
+              <a:spcBef>
+                <a:spcPts val="500"/>
+              </a:spcBef>
+              <a:buFont typeface="Arial" panose="020B0604020202020204" pitchFamily="34" charset="0"/>
+              <a:buChar char="•"/>
+              <a:defRPr sz="1800" kern="1200">
+                <a:solidFill>
+                  <a:schemeClr val="tx1"/>
+                </a:solidFill>
+                <a:latin typeface="+mn-lt"/>
+                <a:ea typeface="+mn-ea"/>
+                <a:cs typeface="+mn-cs"/>
+              </a:defRPr>
+            </a:lvl8pPr>
+            <a:lvl9pPr marL="3886200" indent="-228600" algn="l" defTabSz="914400" rtl="0" eaLnBrk="1" latinLnBrk="0" hangingPunct="1">
+              <a:lnSpc>
+                <a:spcPct val="90000"/>
+              </a:lnSpc>
+              <a:spcBef>
+                <a:spcPts val="500"/>
+              </a:spcBef>
+              <a:buFont typeface="Arial" panose="020B0604020202020204" pitchFamily="34" charset="0"/>
+              <a:buChar char="•"/>
+              <a:defRPr sz="1800" kern="1200">
+                <a:solidFill>
+                  <a:schemeClr val="tx1"/>
+                </a:solidFill>
+                <a:latin typeface="+mn-lt"/>
+                <a:ea typeface="+mn-ea"/>
+                <a:cs typeface="+mn-cs"/>
+              </a:defRPr>
+            </a:lvl9pPr>
+          </a:lstStyle>
+          <a:p>
+            <a:pPr lvl="1">
+              <a:buFont typeface="Wingdings" panose="05000000000000000000" pitchFamily="2" charset="2"/>
+              <a:buChar char="Ø"/>
+            </a:pPr>
+            <a:r>
+              <a:rPr lang="en-GB" sz="1400" dirty="0">
+                <a:solidFill>
+                  <a:schemeClr val="tx1"/>
+                </a:solidFill>
+              </a:rPr>
+              <a:t>Apply the knowledge of OOP, Java, Spring boot, Spring JPA, Spring schedule, Microservices, Postgres, Oracle, MongoDB, etc. to develop products’ features. </a:t>
+            </a:r>
+          </a:p>
+          <a:p>
+            <a:pPr lvl="1">
+              <a:buFont typeface="Wingdings" panose="05000000000000000000" pitchFamily="2" charset="2"/>
+              <a:buChar char="Ø"/>
+            </a:pPr>
+            <a:r>
+              <a:rPr lang="en-GB" sz="1400" dirty="0">
+                <a:solidFill>
+                  <a:schemeClr val="tx1"/>
+                </a:solidFill>
+              </a:rPr>
+              <a:t>Be familiar with tools: </a:t>
+            </a:r>
+            <a:r>
+              <a:rPr lang="en-GB" sz="1400" dirty="0" err="1">
+                <a:solidFill>
+                  <a:schemeClr val="tx1"/>
+                </a:solidFill>
+              </a:rPr>
+              <a:t>Intellji</a:t>
+            </a:r>
+            <a:r>
+              <a:rPr lang="en-GB" sz="1400" dirty="0">
+                <a:solidFill>
+                  <a:schemeClr val="tx1"/>
+                </a:solidFill>
+              </a:rPr>
+              <a:t>, Kafka, Flowable... </a:t>
+            </a:r>
+          </a:p>
+        </p:txBody>
+      </p:sp>
+      <p:sp>
+        <p:nvSpPr>
+          <p:cNvPr id="8" name="Subtitle 2">
+            <a:extLst>
+              <a:ext uri="{FF2B5EF4-FFF2-40B4-BE49-F238E27FC236}">
+                <a16:creationId xmlns:a16="http://schemas.microsoft.com/office/drawing/2014/main" id="{3063378F-5FF4-2F75-068E-1E0FC5A024DD}"/>
+              </a:ext>
+            </a:extLst>
+          </p:cNvPr>
+          <p:cNvSpPr txBox="1">
+            <a:spLocks/>
+          </p:cNvSpPr>
+          <p:nvPr/>
+        </p:nvSpPr>
+        <p:spPr>
+          <a:xfrm>
+            <a:off x="580780" y="2156964"/>
+            <a:ext cx="7088062" cy="2216011"/>
+          </a:xfrm>
+          <a:prstGeom prst="rect">
+            <a:avLst/>
+          </a:prstGeom>
+        </p:spPr>
+        <p:txBody>
+          <a:bodyPr>
+            <a:spAutoFit/>
+          </a:bodyPr>
+          <a:lstStyle>
+            <a:lvl1pPr marL="228600" indent="-228600" algn="l" defTabSz="914400" rtl="0" eaLnBrk="1" latinLnBrk="0" hangingPunct="1">
+              <a:lnSpc>
+                <a:spcPct val="90000"/>
+              </a:lnSpc>
+              <a:spcBef>
+                <a:spcPts val="1000"/>
+              </a:spcBef>
+              <a:buFontTx/>
+              <a:buBlip>
+                <a:blip r:embed="rId2"/>
+              </a:buBlip>
+              <a:defRPr sz="1600" kern="1200">
+                <a:solidFill>
+                  <a:schemeClr val="tx1">
+                    <a:lumMod val="50000"/>
+                    <a:lumOff val="50000"/>
+                  </a:schemeClr>
+                </a:solidFill>
+                <a:latin typeface="+mn-lt"/>
+                <a:ea typeface="+mn-ea"/>
+                <a:cs typeface="+mn-cs"/>
+              </a:defRPr>
+            </a:lvl1pPr>
+            <a:lvl2pPr marL="685800" indent="-228600" algn="l" defTabSz="914400" rtl="0" eaLnBrk="1" latinLnBrk="0" hangingPunct="1">
+              <a:lnSpc>
+                <a:spcPct val="90000"/>
+              </a:lnSpc>
+              <a:spcBef>
+                <a:spcPts val="500"/>
+              </a:spcBef>
+              <a:buClr>
+                <a:schemeClr val="accent3"/>
+              </a:buClr>
+              <a:buFont typeface="Arial" panose="020B0604020202020204" pitchFamily="34" charset="0"/>
+              <a:buChar char="•"/>
+              <a:defRPr sz="1600" kern="1200">
+                <a:solidFill>
+                  <a:schemeClr val="tx1">
+                    <a:lumMod val="50000"/>
+                    <a:lumOff val="50000"/>
+                  </a:schemeClr>
+                </a:solidFill>
+                <a:latin typeface="+mn-lt"/>
+                <a:ea typeface="+mn-ea"/>
+                <a:cs typeface="+mn-cs"/>
+              </a:defRPr>
+            </a:lvl2pPr>
+            <a:lvl3pPr marL="1143000" indent="-228600" algn="l" defTabSz="914400" rtl="0" eaLnBrk="1" latinLnBrk="0" hangingPunct="1">
+              <a:lnSpc>
+                <a:spcPct val="90000"/>
+              </a:lnSpc>
+              <a:spcBef>
+                <a:spcPts val="500"/>
+              </a:spcBef>
+              <a:buClr>
+                <a:schemeClr val="tx1">
+                  <a:lumMod val="50000"/>
+                  <a:lumOff val="50000"/>
+                </a:schemeClr>
+              </a:buClr>
+              <a:buFont typeface="Arial" panose="020B0604020202020204" pitchFamily="34" charset="0"/>
+              <a:buChar char="•"/>
+              <a:defRPr sz="1600" kern="1200">
+                <a:solidFill>
+                  <a:schemeClr val="tx1">
+                    <a:lumMod val="50000"/>
+                    <a:lumOff val="50000"/>
+                  </a:schemeClr>
+                </a:solidFill>
+                <a:latin typeface="+mn-lt"/>
+                <a:ea typeface="+mn-ea"/>
+                <a:cs typeface="+mn-cs"/>
+              </a:defRPr>
+            </a:lvl3pPr>
+            <a:lvl4pPr marL="1600200" indent="-228600" algn="l" defTabSz="914400" rtl="0" eaLnBrk="1" latinLnBrk="0" hangingPunct="1">
+              <a:lnSpc>
+                <a:spcPct val="90000"/>
+              </a:lnSpc>
+              <a:spcBef>
+                <a:spcPts val="500"/>
+              </a:spcBef>
+              <a:buClr>
+                <a:schemeClr val="tx1">
+                  <a:lumMod val="50000"/>
+                  <a:lumOff val="50000"/>
+                </a:schemeClr>
+              </a:buClr>
+              <a:buFont typeface="Arial" panose="020B0604020202020204" pitchFamily="34" charset="0"/>
+              <a:buChar char="•"/>
+              <a:defRPr sz="1600" kern="1200">
+                <a:solidFill>
+                  <a:schemeClr val="tx1">
+                    <a:lumMod val="50000"/>
+                    <a:lumOff val="50000"/>
+                  </a:schemeClr>
+                </a:solidFill>
+                <a:latin typeface="+mn-lt"/>
+                <a:ea typeface="+mn-ea"/>
+                <a:cs typeface="+mn-cs"/>
+              </a:defRPr>
+            </a:lvl4pPr>
+            <a:lvl5pPr marL="2057400" indent="-228600" algn="l" defTabSz="914400" rtl="0" eaLnBrk="1" latinLnBrk="0" hangingPunct="1">
+              <a:lnSpc>
+                <a:spcPct val="90000"/>
+              </a:lnSpc>
+              <a:spcBef>
+                <a:spcPts val="500"/>
+              </a:spcBef>
+              <a:buClr>
+                <a:schemeClr val="tx1">
+                  <a:lumMod val="50000"/>
+                  <a:lumOff val="50000"/>
+                </a:schemeClr>
+              </a:buClr>
+              <a:buFont typeface="Arial" panose="020B0604020202020204" pitchFamily="34" charset="0"/>
+              <a:buChar char="•"/>
+              <a:defRPr sz="1600" kern="1200">
+                <a:solidFill>
+                  <a:schemeClr val="tx1">
+                    <a:lumMod val="50000"/>
+                    <a:lumOff val="50000"/>
+                  </a:schemeClr>
+                </a:solidFill>
+                <a:latin typeface="+mn-lt"/>
+                <a:ea typeface="+mn-ea"/>
+                <a:cs typeface="+mn-cs"/>
+              </a:defRPr>
+            </a:lvl5pPr>
+            <a:lvl6pPr marL="2514600" indent="-228600" algn="l" defTabSz="914400" rtl="0" eaLnBrk="1" latinLnBrk="0" hangingPunct="1">
+              <a:lnSpc>
+                <a:spcPct val="90000"/>
+              </a:lnSpc>
+              <a:spcBef>
+                <a:spcPts val="500"/>
+              </a:spcBef>
+              <a:buFont typeface="Arial" panose="020B0604020202020204" pitchFamily="34" charset="0"/>
+              <a:buChar char="•"/>
+              <a:defRPr sz="1800" kern="1200">
+                <a:solidFill>
+                  <a:schemeClr val="tx1"/>
+                </a:solidFill>
+                <a:latin typeface="+mn-lt"/>
+                <a:ea typeface="+mn-ea"/>
+                <a:cs typeface="+mn-cs"/>
+              </a:defRPr>
+            </a:lvl6pPr>
+            <a:lvl7pPr marL="2971800" indent="-228600" algn="l" defTabSz="914400" rtl="0" eaLnBrk="1" latinLnBrk="0" hangingPunct="1">
+              <a:lnSpc>
+                <a:spcPct val="90000"/>
+              </a:lnSpc>
+              <a:spcBef>
+                <a:spcPts val="500"/>
+              </a:spcBef>
+              <a:buFont typeface="Arial" panose="020B0604020202020204" pitchFamily="34" charset="0"/>
+              <a:buChar char="•"/>
+              <a:defRPr sz="1800" kern="1200">
+                <a:solidFill>
+                  <a:schemeClr val="tx1"/>
+                </a:solidFill>
+                <a:latin typeface="+mn-lt"/>
+                <a:ea typeface="+mn-ea"/>
+                <a:cs typeface="+mn-cs"/>
+              </a:defRPr>
+            </a:lvl7pPr>
+            <a:lvl8pPr marL="3429000" indent="-228600" algn="l" defTabSz="914400" rtl="0" eaLnBrk="1" latinLnBrk="0" hangingPunct="1">
+              <a:lnSpc>
+                <a:spcPct val="90000"/>
+              </a:lnSpc>
+              <a:spcBef>
+                <a:spcPts val="500"/>
+              </a:spcBef>
+              <a:buFont typeface="Arial" panose="020B0604020202020204" pitchFamily="34" charset="0"/>
+              <a:buChar char="•"/>
+              <a:defRPr sz="1800" kern="1200">
+                <a:solidFill>
+                  <a:schemeClr val="tx1"/>
+                </a:solidFill>
+                <a:latin typeface="+mn-lt"/>
+                <a:ea typeface="+mn-ea"/>
+                <a:cs typeface="+mn-cs"/>
+              </a:defRPr>
+            </a:lvl8pPr>
+            <a:lvl9pPr marL="3886200" indent="-228600" algn="l" defTabSz="914400" rtl="0" eaLnBrk="1" latinLnBrk="0" hangingPunct="1">
+              <a:lnSpc>
+                <a:spcPct val="90000"/>
+              </a:lnSpc>
+              <a:spcBef>
+                <a:spcPts val="500"/>
+              </a:spcBef>
+              <a:buFont typeface="Arial" panose="020B0604020202020204" pitchFamily="34" charset="0"/>
+              <a:buChar char="•"/>
+              <a:defRPr sz="1800" kern="1200">
+                <a:solidFill>
+                  <a:schemeClr val="tx1"/>
+                </a:solidFill>
+                <a:latin typeface="+mn-lt"/>
+                <a:ea typeface="+mn-ea"/>
+                <a:cs typeface="+mn-cs"/>
+              </a:defRPr>
+            </a:lvl9pPr>
+          </a:lstStyle>
+          <a:p>
+            <a:r>
+              <a:rPr lang="en-GB" sz="1400" u="sng" dirty="0">
+                <a:solidFill>
+                  <a:schemeClr val="tx1"/>
+                </a:solidFill>
+              </a:rPr>
+              <a:t>Timeline: </a:t>
+            </a:r>
+            <a:r>
+              <a:rPr lang="en-GB" sz="1400" dirty="0">
+                <a:solidFill>
+                  <a:schemeClr val="tx1"/>
+                </a:solidFill>
+              </a:rPr>
+              <a:t>Follow timeline of release</a:t>
+            </a:r>
+          </a:p>
+          <a:p>
+            <a:r>
+              <a:rPr lang="en-GB" sz="1400" u="sng" dirty="0">
+                <a:solidFill>
+                  <a:schemeClr val="tx1"/>
+                </a:solidFill>
+              </a:rPr>
+              <a:t>Expectation:</a:t>
+            </a:r>
+          </a:p>
+          <a:p>
+            <a:pPr lvl="1">
+              <a:buFont typeface="Wingdings" panose="05000000000000000000" pitchFamily="2" charset="2"/>
+              <a:buChar char="Ø"/>
+            </a:pPr>
+            <a:r>
+              <a:rPr lang="en-GB" sz="1400" dirty="0">
+                <a:solidFill>
+                  <a:schemeClr val="tx1"/>
+                </a:solidFill>
+              </a:rPr>
+              <a:t>Qualified output corresponding with the assigned tasks.</a:t>
+            </a:r>
+          </a:p>
+          <a:p>
+            <a:pPr lvl="1">
+              <a:buFont typeface="Wingdings" panose="05000000000000000000" pitchFamily="2" charset="2"/>
+              <a:buChar char="Ø"/>
+            </a:pPr>
+            <a:r>
+              <a:rPr lang="en-GB" sz="1400" dirty="0">
+                <a:solidFill>
+                  <a:schemeClr val="tx1"/>
+                </a:solidFill>
+              </a:rPr>
+              <a:t>Good team engagement, integration and collaboration. </a:t>
+            </a:r>
+          </a:p>
+          <a:p>
+            <a:r>
+              <a:rPr lang="en-GB" sz="1400" u="sng" dirty="0">
+                <a:solidFill>
+                  <a:schemeClr val="tx1"/>
+                </a:solidFill>
+              </a:rPr>
+              <a:t>Escalation points:</a:t>
+            </a:r>
+          </a:p>
+          <a:p>
+            <a:pPr lvl="1">
+              <a:buFont typeface="Wingdings" panose="05000000000000000000" pitchFamily="2" charset="2"/>
+              <a:buChar char="Ø"/>
+            </a:pPr>
+            <a:r>
+              <a:rPr lang="en-GB" sz="1400" i="1" dirty="0">
+                <a:solidFill>
+                  <a:schemeClr val="tx1"/>
+                </a:solidFill>
+              </a:rPr>
+              <a:t>Mr. Nguyen Duc Thanh – Software Engineering Manager</a:t>
+            </a:r>
+          </a:p>
+          <a:p>
+            <a:pPr lvl="1">
+              <a:buFont typeface="Wingdings" panose="05000000000000000000" pitchFamily="2" charset="2"/>
+              <a:buChar char="Ø"/>
+            </a:pPr>
+            <a:r>
+              <a:rPr lang="en-GB" sz="1400" i="1" dirty="0">
+                <a:solidFill>
+                  <a:schemeClr val="tx1"/>
+                </a:solidFill>
+              </a:rPr>
+              <a:t>Mr. Nguyen Tran Huy Tan – Technology Delivery Manager</a:t>
+            </a:r>
+          </a:p>
+          <a:p>
+            <a:pPr lvl="1">
+              <a:buFont typeface="Wingdings" panose="05000000000000000000" pitchFamily="2" charset="2"/>
+              <a:buChar char="Ø"/>
+            </a:pPr>
+            <a:r>
+              <a:rPr lang="en-GB" sz="1400" i="1" dirty="0">
+                <a:solidFill>
+                  <a:schemeClr val="tx1"/>
+                </a:solidFill>
+              </a:rPr>
+              <a:t>Mr. Le Ba Trong Khang – Software and Data Engineering Manager</a:t>
+            </a:r>
+          </a:p>
+        </p:txBody>
+      </p:sp>
+      <p:sp>
+        <p:nvSpPr>
+          <p:cNvPr id="9" name="Subtitle 2">
+            <a:extLst>
+              <a:ext uri="{FF2B5EF4-FFF2-40B4-BE49-F238E27FC236}">
+                <a16:creationId xmlns:a16="http://schemas.microsoft.com/office/drawing/2014/main" id="{457ED22E-6992-A037-23F1-0D98E76C40EE}"/>
+              </a:ext>
+            </a:extLst>
+          </p:cNvPr>
+          <p:cNvSpPr txBox="1">
+            <a:spLocks/>
+          </p:cNvSpPr>
+          <p:nvPr/>
+        </p:nvSpPr>
+        <p:spPr>
+          <a:xfrm>
+            <a:off x="1005270" y="1117653"/>
+            <a:ext cx="1601742" cy="286232"/>
+          </a:xfrm>
+          <a:prstGeom prst="rect">
+            <a:avLst/>
+          </a:prstGeom>
+        </p:spPr>
+        <p:txBody>
+          <a:bodyPr>
+            <a:spAutoFit/>
+          </a:bodyPr>
+          <a:lstStyle>
+            <a:lvl1pPr marL="228600" indent="-228600" algn="l" defTabSz="914400" rtl="0" eaLnBrk="1" latinLnBrk="0" hangingPunct="1">
+              <a:lnSpc>
+                <a:spcPct val="90000"/>
+              </a:lnSpc>
+              <a:spcBef>
+                <a:spcPts val="1000"/>
+              </a:spcBef>
+              <a:buFontTx/>
+              <a:buBlip>
+                <a:blip r:embed="rId2"/>
+              </a:buBlip>
+              <a:defRPr sz="1600" kern="1200">
+                <a:solidFill>
+                  <a:schemeClr val="tx1">
+                    <a:lumMod val="50000"/>
+                    <a:lumOff val="50000"/>
+                  </a:schemeClr>
+                </a:solidFill>
+                <a:latin typeface="+mn-lt"/>
+                <a:ea typeface="+mn-ea"/>
+                <a:cs typeface="+mn-cs"/>
+              </a:defRPr>
+            </a:lvl1pPr>
+            <a:lvl2pPr marL="685800" indent="-228600" algn="l" defTabSz="914400" rtl="0" eaLnBrk="1" latinLnBrk="0" hangingPunct="1">
+              <a:lnSpc>
+                <a:spcPct val="90000"/>
+              </a:lnSpc>
+              <a:spcBef>
+                <a:spcPts val="500"/>
+              </a:spcBef>
+              <a:buClr>
+                <a:schemeClr val="accent3"/>
+              </a:buClr>
+              <a:buFont typeface="Arial" panose="020B0604020202020204" pitchFamily="34" charset="0"/>
+              <a:buChar char="•"/>
+              <a:defRPr sz="1600" kern="1200">
+                <a:solidFill>
+                  <a:schemeClr val="tx1">
+                    <a:lumMod val="50000"/>
+                    <a:lumOff val="50000"/>
+                  </a:schemeClr>
+                </a:solidFill>
+                <a:latin typeface="+mn-lt"/>
+                <a:ea typeface="+mn-ea"/>
+                <a:cs typeface="+mn-cs"/>
+              </a:defRPr>
+            </a:lvl2pPr>
+            <a:lvl3pPr marL="1143000" indent="-228600" algn="l" defTabSz="914400" rtl="0" eaLnBrk="1" latinLnBrk="0" hangingPunct="1">
+              <a:lnSpc>
+                <a:spcPct val="90000"/>
+              </a:lnSpc>
+              <a:spcBef>
+                <a:spcPts val="500"/>
+              </a:spcBef>
+              <a:buClr>
+                <a:schemeClr val="tx1">
+                  <a:lumMod val="50000"/>
+                  <a:lumOff val="50000"/>
+                </a:schemeClr>
+              </a:buClr>
+              <a:buFont typeface="Arial" panose="020B0604020202020204" pitchFamily="34" charset="0"/>
+              <a:buChar char="•"/>
+              <a:defRPr sz="1600" kern="1200">
+                <a:solidFill>
+                  <a:schemeClr val="tx1">
+                    <a:lumMod val="50000"/>
+                    <a:lumOff val="50000"/>
+                  </a:schemeClr>
+                </a:solidFill>
+                <a:latin typeface="+mn-lt"/>
+                <a:ea typeface="+mn-ea"/>
+                <a:cs typeface="+mn-cs"/>
+              </a:defRPr>
+            </a:lvl3pPr>
+            <a:lvl4pPr marL="1600200" indent="-228600" algn="l" defTabSz="914400" rtl="0" eaLnBrk="1" latinLnBrk="0" hangingPunct="1">
+              <a:lnSpc>
+                <a:spcPct val="90000"/>
+              </a:lnSpc>
+              <a:spcBef>
+                <a:spcPts val="500"/>
+              </a:spcBef>
+              <a:buClr>
+                <a:schemeClr val="tx1">
+                  <a:lumMod val="50000"/>
+                  <a:lumOff val="50000"/>
+                </a:schemeClr>
+              </a:buClr>
+              <a:buFont typeface="Arial" panose="020B0604020202020204" pitchFamily="34" charset="0"/>
+              <a:buChar char="•"/>
+              <a:defRPr sz="1600" kern="1200">
+                <a:solidFill>
+                  <a:schemeClr val="tx1">
+                    <a:lumMod val="50000"/>
+                    <a:lumOff val="50000"/>
+                  </a:schemeClr>
+                </a:solidFill>
+                <a:latin typeface="+mn-lt"/>
+                <a:ea typeface="+mn-ea"/>
+                <a:cs typeface="+mn-cs"/>
+              </a:defRPr>
+            </a:lvl4pPr>
+            <a:lvl5pPr marL="2057400" indent="-228600" algn="l" defTabSz="914400" rtl="0" eaLnBrk="1" latinLnBrk="0" hangingPunct="1">
+              <a:lnSpc>
+                <a:spcPct val="90000"/>
+              </a:lnSpc>
+              <a:spcBef>
+                <a:spcPts val="500"/>
+              </a:spcBef>
+              <a:buClr>
+                <a:schemeClr val="tx1">
+                  <a:lumMod val="50000"/>
+                  <a:lumOff val="50000"/>
+                </a:schemeClr>
+              </a:buClr>
+              <a:buFont typeface="Arial" panose="020B0604020202020204" pitchFamily="34" charset="0"/>
+              <a:buChar char="•"/>
+              <a:defRPr sz="1600" kern="1200">
+                <a:solidFill>
+                  <a:schemeClr val="tx1">
+                    <a:lumMod val="50000"/>
+                    <a:lumOff val="50000"/>
+                  </a:schemeClr>
+                </a:solidFill>
+                <a:latin typeface="+mn-lt"/>
+                <a:ea typeface="+mn-ea"/>
+                <a:cs typeface="+mn-cs"/>
+              </a:defRPr>
+            </a:lvl5pPr>
+            <a:lvl6pPr marL="2514600" indent="-228600" algn="l" defTabSz="914400" rtl="0" eaLnBrk="1" latinLnBrk="0" hangingPunct="1">
+              <a:lnSpc>
+                <a:spcPct val="90000"/>
+              </a:lnSpc>
+              <a:spcBef>
+                <a:spcPts val="500"/>
+              </a:spcBef>
+              <a:buFont typeface="Arial" panose="020B0604020202020204" pitchFamily="34" charset="0"/>
+              <a:buChar char="•"/>
+              <a:defRPr sz="1800" kern="1200">
+                <a:solidFill>
+                  <a:schemeClr val="tx1"/>
+                </a:solidFill>
+                <a:latin typeface="+mn-lt"/>
+                <a:ea typeface="+mn-ea"/>
+                <a:cs typeface="+mn-cs"/>
+              </a:defRPr>
+            </a:lvl6pPr>
+            <a:lvl7pPr marL="2971800" indent="-228600" algn="l" defTabSz="914400" rtl="0" eaLnBrk="1" latinLnBrk="0" hangingPunct="1">
+              <a:lnSpc>
+                <a:spcPct val="90000"/>
+              </a:lnSpc>
+              <a:spcBef>
+                <a:spcPts val="500"/>
+              </a:spcBef>
+              <a:buFont typeface="Arial" panose="020B0604020202020204" pitchFamily="34" charset="0"/>
+              <a:buChar char="•"/>
+              <a:defRPr sz="1800" kern="1200">
+                <a:solidFill>
+                  <a:schemeClr val="tx1"/>
+                </a:solidFill>
+                <a:latin typeface="+mn-lt"/>
+                <a:ea typeface="+mn-ea"/>
+                <a:cs typeface="+mn-cs"/>
+              </a:defRPr>
+            </a:lvl7pPr>
+            <a:lvl8pPr marL="3429000" indent="-228600" algn="l" defTabSz="914400" rtl="0" eaLnBrk="1" latinLnBrk="0" hangingPunct="1">
+              <a:lnSpc>
+                <a:spcPct val="90000"/>
+              </a:lnSpc>
+              <a:spcBef>
+                <a:spcPts val="500"/>
+              </a:spcBef>
+              <a:buFont typeface="Arial" panose="020B0604020202020204" pitchFamily="34" charset="0"/>
+              <a:buChar char="•"/>
+              <a:defRPr sz="1800" kern="1200">
+                <a:solidFill>
+                  <a:schemeClr val="tx1"/>
+                </a:solidFill>
+                <a:latin typeface="+mn-lt"/>
+                <a:ea typeface="+mn-ea"/>
+                <a:cs typeface="+mn-cs"/>
+              </a:defRPr>
+            </a:lvl8pPr>
+            <a:lvl9pPr marL="3886200" indent="-228600" algn="l" defTabSz="914400" rtl="0" eaLnBrk="1" latinLnBrk="0" hangingPunct="1">
+              <a:lnSpc>
+                <a:spcPct val="90000"/>
+              </a:lnSpc>
+              <a:spcBef>
+                <a:spcPts val="500"/>
+              </a:spcBef>
+              <a:buFont typeface="Arial" panose="020B0604020202020204" pitchFamily="34" charset="0"/>
+              <a:buChar char="•"/>
+              <a:defRPr sz="1800" kern="1200">
+                <a:solidFill>
+                  <a:schemeClr val="tx1"/>
+                </a:solidFill>
+                <a:latin typeface="+mn-lt"/>
+                <a:ea typeface="+mn-ea"/>
+                <a:cs typeface="+mn-cs"/>
+              </a:defRPr>
+            </a:lvl9pPr>
+          </a:lstStyle>
+          <a:p>
+            <a:pPr marL="0" indent="0">
+              <a:buNone/>
+            </a:pPr>
+            <a:r>
+              <a:rPr lang="en-GB" sz="1400" dirty="0">
+                <a:solidFill>
+                  <a:schemeClr val="tx1"/>
+                </a:solidFill>
+              </a:rPr>
+              <a:t>Software Engineer </a:t>
+            </a:r>
+          </a:p>
+        </p:txBody>
+      </p:sp>
     </p:spTree>
     <p:extLst>
       <p:ext uri="{BB962C8B-B14F-4D97-AF65-F5344CB8AC3E}">
@@ -23060,6 +23644,1052 @@
 </file>
 
 <file path=ppt/slides/slide3.xml><?xml version="1.0" encoding="utf-8"?>
+<p:sld xmlns:a="http://schemas.openxmlformats.org/drawingml/2006/main" xmlns:r="http://schemas.openxmlformats.org/officeDocument/2006/relationships" xmlns:p="http://schemas.openxmlformats.org/presentationml/2006/main">
+  <p:cSld>
+    <p:spTree>
+      <p:nvGrpSpPr>
+        <p:cNvPr id="1" name="">
+          <a:extLst>
+            <a:ext uri="{FF2B5EF4-FFF2-40B4-BE49-F238E27FC236}">
+              <a16:creationId xmlns:a16="http://schemas.microsoft.com/office/drawing/2014/main" id="{2F4C04A9-262E-525E-B4E3-29BAFD0B16F3}"/>
+            </a:ext>
+          </a:extLst>
+        </p:cNvPr>
+        <p:cNvGrpSpPr/>
+        <p:nvPr/>
+      </p:nvGrpSpPr>
+      <p:grpSpPr>
+        <a:xfrm>
+          <a:off x="0" y="0"/>
+          <a:ext cx="0" cy="0"/>
+          <a:chOff x="0" y="0"/>
+          <a:chExt cx="0" cy="0"/>
+        </a:xfrm>
+      </p:grpSpPr>
+      <p:sp>
+        <p:nvSpPr>
+          <p:cNvPr id="11" name="Title 10">
+            <a:extLst>
+              <a:ext uri="{FF2B5EF4-FFF2-40B4-BE49-F238E27FC236}">
+                <a16:creationId xmlns:a16="http://schemas.microsoft.com/office/drawing/2014/main" id="{97DC7E38-2AB9-812E-B3ED-D1EDFB76284E}"/>
+              </a:ext>
+            </a:extLst>
+          </p:cNvPr>
+          <p:cNvSpPr>
+            <a:spLocks noGrp="1"/>
+          </p:cNvSpPr>
+          <p:nvPr>
+            <p:ph type="title"/>
+          </p:nvPr>
+        </p:nvSpPr>
+        <p:spPr>
+          <a:xfrm>
+            <a:off x="461037" y="45204"/>
+            <a:ext cx="5230838" cy="683349"/>
+          </a:xfrm>
+        </p:spPr>
+        <p:txBody>
+          <a:bodyPr/>
+          <a:lstStyle/>
+          <a:p>
+            <a:r>
+              <a:rPr lang="en-US" dirty="0"/>
+              <a:t>Project context</a:t>
+            </a:r>
+          </a:p>
+        </p:txBody>
+      </p:sp>
+      <p:sp>
+        <p:nvSpPr>
+          <p:cNvPr id="5" name="Shape">
+            <a:extLst>
+              <a:ext uri="{FF2B5EF4-FFF2-40B4-BE49-F238E27FC236}">
+                <a16:creationId xmlns:a16="http://schemas.microsoft.com/office/drawing/2014/main" id="{FD6BB7D8-3FAA-FC32-172E-415B74BFE998}"/>
+              </a:ext>
+            </a:extLst>
+          </p:cNvPr>
+          <p:cNvSpPr/>
+          <p:nvPr/>
+        </p:nvSpPr>
+        <p:spPr>
+          <a:xfrm>
+            <a:off x="5671240" y="5791540"/>
+            <a:ext cx="95252" cy="47627"/>
+          </a:xfrm>
+          <a:custGeom>
+            <a:avLst/>
+            <a:gdLst/>
+            <a:ahLst/>
+            <a:cxnLst>
+              <a:cxn ang="0">
+                <a:pos x="wd2" y="hd2"/>
+              </a:cxn>
+              <a:cxn ang="5400000">
+                <a:pos x="wd2" y="hd2"/>
+              </a:cxn>
+              <a:cxn ang="10800000">
+                <a:pos x="wd2" y="hd2"/>
+              </a:cxn>
+              <a:cxn ang="16200000">
+                <a:pos x="wd2" y="hd2"/>
+              </a:cxn>
+            </a:cxnLst>
+            <a:rect l="0" t="0" r="r" b="b"/>
+            <a:pathLst>
+              <a:path w="21600" h="21600" extrusionOk="0">
+                <a:moveTo>
+                  <a:pt x="21060" y="0"/>
+                </a:moveTo>
+                <a:cubicBezTo>
+                  <a:pt x="20911" y="0"/>
+                  <a:pt x="20776" y="121"/>
+                  <a:pt x="20678" y="316"/>
+                </a:cubicBezTo>
+                <a:lnTo>
+                  <a:pt x="10800" y="19033"/>
+                </a:lnTo>
+                <a:lnTo>
+                  <a:pt x="922" y="316"/>
+                </a:lnTo>
+                <a:cubicBezTo>
+                  <a:pt x="824" y="121"/>
+                  <a:pt x="689" y="0"/>
+                  <a:pt x="540" y="0"/>
+                </a:cubicBezTo>
+                <a:cubicBezTo>
+                  <a:pt x="242" y="0"/>
+                  <a:pt x="0" y="483"/>
+                  <a:pt x="0" y="1080"/>
+                </a:cubicBezTo>
+                <a:cubicBezTo>
+                  <a:pt x="0" y="1378"/>
+                  <a:pt x="60" y="1648"/>
+                  <a:pt x="158" y="1844"/>
+                </a:cubicBezTo>
+                <a:lnTo>
+                  <a:pt x="10418" y="21284"/>
+                </a:lnTo>
+                <a:cubicBezTo>
+                  <a:pt x="10516" y="21480"/>
+                  <a:pt x="10651" y="21600"/>
+                  <a:pt x="10800" y="21600"/>
+                </a:cubicBezTo>
+                <a:cubicBezTo>
+                  <a:pt x="10949" y="21600"/>
+                  <a:pt x="11084" y="21480"/>
+                  <a:pt x="11182" y="21284"/>
+                </a:cubicBezTo>
+                <a:lnTo>
+                  <a:pt x="21442" y="1844"/>
+                </a:lnTo>
+                <a:cubicBezTo>
+                  <a:pt x="21540" y="1648"/>
+                  <a:pt x="21600" y="1378"/>
+                  <a:pt x="21600" y="1080"/>
+                </a:cubicBezTo>
+                <a:cubicBezTo>
+                  <a:pt x="21600" y="483"/>
+                  <a:pt x="21358" y="0"/>
+                  <a:pt x="21060" y="0"/>
+                </a:cubicBezTo>
+              </a:path>
+            </a:pathLst>
+          </a:custGeom>
+          <a:solidFill>
+            <a:srgbClr val="F7F9FF"/>
+          </a:solidFill>
+          <a:ln w="12700">
+            <a:miter lim="400000"/>
+          </a:ln>
+        </p:spPr>
+        <p:txBody>
+          <a:bodyPr lIns="60959" rIns="60959" anchor="ctr"/>
+          <a:lstStyle/>
+          <a:p>
+            <a:pPr defTabSz="228598">
+              <a:defRPr sz="900">
+                <a:solidFill>
+                  <a:srgbClr val="FFFFFF"/>
+                </a:solidFill>
+                <a:effectLst>
+                  <a:outerShdw blurRad="38100" dist="12700" dir="5400000" rotWithShape="0">
+                    <a:srgbClr val="000000">
+                      <a:alpha val="50000"/>
+                    </a:srgbClr>
+                  </a:outerShdw>
+                </a:effectLst>
+                <a:latin typeface="Open Sans"/>
+                <a:ea typeface="Open Sans"/>
+                <a:cs typeface="Open Sans"/>
+                <a:sym typeface="Open Sans"/>
+              </a:defRPr>
+            </a:pPr>
+            <a:endParaRPr sz="1200" dirty="0"/>
+          </a:p>
+        </p:txBody>
+      </p:sp>
+      <p:sp>
+        <p:nvSpPr>
+          <p:cNvPr id="2" name="Flowchart: Process 1">
+            <a:extLst>
+              <a:ext uri="{FF2B5EF4-FFF2-40B4-BE49-F238E27FC236}">
+                <a16:creationId xmlns:a16="http://schemas.microsoft.com/office/drawing/2014/main" id="{7477CB74-2CA7-EA3C-0D9B-53042B034AFA}"/>
+              </a:ext>
+            </a:extLst>
+          </p:cNvPr>
+          <p:cNvSpPr/>
+          <p:nvPr/>
+        </p:nvSpPr>
+        <p:spPr>
+          <a:xfrm>
+            <a:off x="461037" y="652353"/>
+            <a:ext cx="7207805" cy="5402597"/>
+          </a:xfrm>
+          <a:prstGeom prst="flowChartProcess">
+            <a:avLst/>
+          </a:prstGeom>
+          <a:solidFill>
+            <a:schemeClr val="accent1">
+              <a:alpha val="7000"/>
+            </a:schemeClr>
+          </a:solidFill>
+        </p:spPr>
+        <p:style>
+          <a:lnRef idx="2">
+            <a:schemeClr val="accent1">
+              <a:shade val="50000"/>
+            </a:schemeClr>
+          </a:lnRef>
+          <a:fillRef idx="1">
+            <a:schemeClr val="accent1"/>
+          </a:fillRef>
+          <a:effectRef idx="0">
+            <a:schemeClr val="accent1"/>
+          </a:effectRef>
+          <a:fontRef idx="minor">
+            <a:schemeClr val="lt1"/>
+          </a:fontRef>
+        </p:style>
+        <p:txBody>
+          <a:bodyPr rtlCol="0" anchor="ctr"/>
+          <a:lstStyle/>
+          <a:p>
+            <a:endParaRPr lang="en-SG" dirty="0">
+              <a:solidFill>
+                <a:schemeClr val="tx1"/>
+              </a:solidFill>
+            </a:endParaRPr>
+          </a:p>
+        </p:txBody>
+      </p:sp>
+      <p:sp>
+        <p:nvSpPr>
+          <p:cNvPr id="24" name="Subtitle 2">
+            <a:extLst>
+              <a:ext uri="{FF2B5EF4-FFF2-40B4-BE49-F238E27FC236}">
+                <a16:creationId xmlns:a16="http://schemas.microsoft.com/office/drawing/2014/main" id="{57C36557-746C-E298-9FA5-88FC42062C63}"/>
+              </a:ext>
+            </a:extLst>
+          </p:cNvPr>
+          <p:cNvSpPr txBox="1">
+            <a:spLocks/>
+          </p:cNvSpPr>
+          <p:nvPr/>
+        </p:nvSpPr>
+        <p:spPr>
+          <a:xfrm>
+            <a:off x="580780" y="803049"/>
+            <a:ext cx="7088062" cy="5402597"/>
+          </a:xfrm>
+          <a:prstGeom prst="rect">
+            <a:avLst/>
+          </a:prstGeom>
+        </p:spPr>
+        <p:txBody>
+          <a:bodyPr>
+            <a:noAutofit/>
+          </a:bodyPr>
+          <a:lstStyle>
+            <a:lvl1pPr marL="228600" indent="-228600" algn="l" defTabSz="914400" rtl="0" eaLnBrk="1" latinLnBrk="0" hangingPunct="1">
+              <a:lnSpc>
+                <a:spcPct val="90000"/>
+              </a:lnSpc>
+              <a:spcBef>
+                <a:spcPts val="1000"/>
+              </a:spcBef>
+              <a:buFontTx/>
+              <a:buBlip>
+                <a:blip r:embed="rId2"/>
+              </a:buBlip>
+              <a:defRPr sz="1600" kern="1200">
+                <a:solidFill>
+                  <a:schemeClr val="tx1">
+                    <a:lumMod val="50000"/>
+                    <a:lumOff val="50000"/>
+                  </a:schemeClr>
+                </a:solidFill>
+                <a:latin typeface="+mn-lt"/>
+                <a:ea typeface="+mn-ea"/>
+                <a:cs typeface="+mn-cs"/>
+              </a:defRPr>
+            </a:lvl1pPr>
+            <a:lvl2pPr marL="685800" indent="-228600" algn="l" defTabSz="914400" rtl="0" eaLnBrk="1" latinLnBrk="0" hangingPunct="1">
+              <a:lnSpc>
+                <a:spcPct val="90000"/>
+              </a:lnSpc>
+              <a:spcBef>
+                <a:spcPts val="500"/>
+              </a:spcBef>
+              <a:buClr>
+                <a:schemeClr val="accent3"/>
+              </a:buClr>
+              <a:buFont typeface="Arial" panose="020B0604020202020204" pitchFamily="34" charset="0"/>
+              <a:buChar char="•"/>
+              <a:defRPr sz="1600" kern="1200">
+                <a:solidFill>
+                  <a:schemeClr val="tx1">
+                    <a:lumMod val="50000"/>
+                    <a:lumOff val="50000"/>
+                  </a:schemeClr>
+                </a:solidFill>
+                <a:latin typeface="+mn-lt"/>
+                <a:ea typeface="+mn-ea"/>
+                <a:cs typeface="+mn-cs"/>
+              </a:defRPr>
+            </a:lvl2pPr>
+            <a:lvl3pPr marL="1143000" indent="-228600" algn="l" defTabSz="914400" rtl="0" eaLnBrk="1" latinLnBrk="0" hangingPunct="1">
+              <a:lnSpc>
+                <a:spcPct val="90000"/>
+              </a:lnSpc>
+              <a:spcBef>
+                <a:spcPts val="500"/>
+              </a:spcBef>
+              <a:buClr>
+                <a:schemeClr val="tx1">
+                  <a:lumMod val="50000"/>
+                  <a:lumOff val="50000"/>
+                </a:schemeClr>
+              </a:buClr>
+              <a:buFont typeface="Arial" panose="020B0604020202020204" pitchFamily="34" charset="0"/>
+              <a:buChar char="•"/>
+              <a:defRPr sz="1600" kern="1200">
+                <a:solidFill>
+                  <a:schemeClr val="tx1">
+                    <a:lumMod val="50000"/>
+                    <a:lumOff val="50000"/>
+                  </a:schemeClr>
+                </a:solidFill>
+                <a:latin typeface="+mn-lt"/>
+                <a:ea typeface="+mn-ea"/>
+                <a:cs typeface="+mn-cs"/>
+              </a:defRPr>
+            </a:lvl3pPr>
+            <a:lvl4pPr marL="1600200" indent="-228600" algn="l" defTabSz="914400" rtl="0" eaLnBrk="1" latinLnBrk="0" hangingPunct="1">
+              <a:lnSpc>
+                <a:spcPct val="90000"/>
+              </a:lnSpc>
+              <a:spcBef>
+                <a:spcPts val="500"/>
+              </a:spcBef>
+              <a:buClr>
+                <a:schemeClr val="tx1">
+                  <a:lumMod val="50000"/>
+                  <a:lumOff val="50000"/>
+                </a:schemeClr>
+              </a:buClr>
+              <a:buFont typeface="Arial" panose="020B0604020202020204" pitchFamily="34" charset="0"/>
+              <a:buChar char="•"/>
+              <a:defRPr sz="1600" kern="1200">
+                <a:solidFill>
+                  <a:schemeClr val="tx1">
+                    <a:lumMod val="50000"/>
+                    <a:lumOff val="50000"/>
+                  </a:schemeClr>
+                </a:solidFill>
+                <a:latin typeface="+mn-lt"/>
+                <a:ea typeface="+mn-ea"/>
+                <a:cs typeface="+mn-cs"/>
+              </a:defRPr>
+            </a:lvl4pPr>
+            <a:lvl5pPr marL="2057400" indent="-228600" algn="l" defTabSz="914400" rtl="0" eaLnBrk="1" latinLnBrk="0" hangingPunct="1">
+              <a:lnSpc>
+                <a:spcPct val="90000"/>
+              </a:lnSpc>
+              <a:spcBef>
+                <a:spcPts val="500"/>
+              </a:spcBef>
+              <a:buClr>
+                <a:schemeClr val="tx1">
+                  <a:lumMod val="50000"/>
+                  <a:lumOff val="50000"/>
+                </a:schemeClr>
+              </a:buClr>
+              <a:buFont typeface="Arial" panose="020B0604020202020204" pitchFamily="34" charset="0"/>
+              <a:buChar char="•"/>
+              <a:defRPr sz="1600" kern="1200">
+                <a:solidFill>
+                  <a:schemeClr val="tx1">
+                    <a:lumMod val="50000"/>
+                    <a:lumOff val="50000"/>
+                  </a:schemeClr>
+                </a:solidFill>
+                <a:latin typeface="+mn-lt"/>
+                <a:ea typeface="+mn-ea"/>
+                <a:cs typeface="+mn-cs"/>
+              </a:defRPr>
+            </a:lvl5pPr>
+            <a:lvl6pPr marL="2514600" indent="-228600" algn="l" defTabSz="914400" rtl="0" eaLnBrk="1" latinLnBrk="0" hangingPunct="1">
+              <a:lnSpc>
+                <a:spcPct val="90000"/>
+              </a:lnSpc>
+              <a:spcBef>
+                <a:spcPts val="500"/>
+              </a:spcBef>
+              <a:buFont typeface="Arial" panose="020B0604020202020204" pitchFamily="34" charset="0"/>
+              <a:buChar char="•"/>
+              <a:defRPr sz="1800" kern="1200">
+                <a:solidFill>
+                  <a:schemeClr val="tx1"/>
+                </a:solidFill>
+                <a:latin typeface="+mn-lt"/>
+                <a:ea typeface="+mn-ea"/>
+                <a:cs typeface="+mn-cs"/>
+              </a:defRPr>
+            </a:lvl6pPr>
+            <a:lvl7pPr marL="2971800" indent="-228600" algn="l" defTabSz="914400" rtl="0" eaLnBrk="1" latinLnBrk="0" hangingPunct="1">
+              <a:lnSpc>
+                <a:spcPct val="90000"/>
+              </a:lnSpc>
+              <a:spcBef>
+                <a:spcPts val="500"/>
+              </a:spcBef>
+              <a:buFont typeface="Arial" panose="020B0604020202020204" pitchFamily="34" charset="0"/>
+              <a:buChar char="•"/>
+              <a:defRPr sz="1800" kern="1200">
+                <a:solidFill>
+                  <a:schemeClr val="tx1"/>
+                </a:solidFill>
+                <a:latin typeface="+mn-lt"/>
+                <a:ea typeface="+mn-ea"/>
+                <a:cs typeface="+mn-cs"/>
+              </a:defRPr>
+            </a:lvl7pPr>
+            <a:lvl8pPr marL="3429000" indent="-228600" algn="l" defTabSz="914400" rtl="0" eaLnBrk="1" latinLnBrk="0" hangingPunct="1">
+              <a:lnSpc>
+                <a:spcPct val="90000"/>
+              </a:lnSpc>
+              <a:spcBef>
+                <a:spcPts val="500"/>
+              </a:spcBef>
+              <a:buFont typeface="Arial" panose="020B0604020202020204" pitchFamily="34" charset="0"/>
+              <a:buChar char="•"/>
+              <a:defRPr sz="1800" kern="1200">
+                <a:solidFill>
+                  <a:schemeClr val="tx1"/>
+                </a:solidFill>
+                <a:latin typeface="+mn-lt"/>
+                <a:ea typeface="+mn-ea"/>
+                <a:cs typeface="+mn-cs"/>
+              </a:defRPr>
+            </a:lvl8pPr>
+            <a:lvl9pPr marL="3886200" indent="-228600" algn="l" defTabSz="914400" rtl="0" eaLnBrk="1" latinLnBrk="0" hangingPunct="1">
+              <a:lnSpc>
+                <a:spcPct val="90000"/>
+              </a:lnSpc>
+              <a:spcBef>
+                <a:spcPts val="500"/>
+              </a:spcBef>
+              <a:buFont typeface="Arial" panose="020B0604020202020204" pitchFamily="34" charset="0"/>
+              <a:buChar char="•"/>
+              <a:defRPr sz="1800" kern="1200">
+                <a:solidFill>
+                  <a:schemeClr val="tx1"/>
+                </a:solidFill>
+                <a:latin typeface="+mn-lt"/>
+                <a:ea typeface="+mn-ea"/>
+                <a:cs typeface="+mn-cs"/>
+              </a:defRPr>
+            </a:lvl9pPr>
+          </a:lstStyle>
+          <a:p>
+            <a:r>
+              <a:rPr lang="en-GB" sz="1400" u="sng" dirty="0">
+                <a:solidFill>
+                  <a:schemeClr val="tx1"/>
+                </a:solidFill>
+              </a:rPr>
+              <a:t>Main tasks / targets:</a:t>
+            </a:r>
+          </a:p>
+          <a:p>
+            <a:pPr marL="0" indent="0">
+              <a:buNone/>
+            </a:pPr>
+            <a:r>
+              <a:rPr lang="en-GB" sz="1400" u="sng" dirty="0">
+                <a:solidFill>
+                  <a:schemeClr val="tx1"/>
+                </a:solidFill>
+              </a:rPr>
+              <a:t>Role</a:t>
+            </a:r>
+            <a:r>
+              <a:rPr lang="en-GB" sz="1400" dirty="0">
+                <a:solidFill>
+                  <a:schemeClr val="tx1"/>
+                </a:solidFill>
+              </a:rPr>
+              <a:t>: Software Engineer </a:t>
+            </a:r>
+          </a:p>
+          <a:p>
+            <a:pPr lvl="1">
+              <a:buFont typeface="Wingdings" panose="05000000000000000000" pitchFamily="2" charset="2"/>
+              <a:buChar char="Ø"/>
+            </a:pPr>
+            <a:r>
+              <a:rPr lang="en-GB" sz="1400" dirty="0">
+                <a:solidFill>
+                  <a:schemeClr val="tx1"/>
+                </a:solidFill>
+              </a:rPr>
+              <a:t>Apply the knowledge of OOP, Java, Spring boot, Spring JPA, Spring schedule, Microservices, Postgres, Oracle, MongoDB, etc. to develop products’ features. </a:t>
+            </a:r>
+          </a:p>
+          <a:p>
+            <a:pPr lvl="1">
+              <a:buFont typeface="Wingdings" panose="05000000000000000000" pitchFamily="2" charset="2"/>
+              <a:buChar char="Ø"/>
+            </a:pPr>
+            <a:r>
+              <a:rPr lang="en-GB" sz="1400" dirty="0">
+                <a:solidFill>
+                  <a:schemeClr val="tx1"/>
+                </a:solidFill>
+              </a:rPr>
+              <a:t>Be familiar with tools: </a:t>
+            </a:r>
+            <a:r>
+              <a:rPr lang="en-GB" sz="1400" dirty="0" err="1">
+                <a:solidFill>
+                  <a:schemeClr val="tx1"/>
+                </a:solidFill>
+              </a:rPr>
+              <a:t>Intellji</a:t>
+            </a:r>
+            <a:r>
+              <a:rPr lang="en-GB" sz="1400" dirty="0">
+                <a:solidFill>
+                  <a:schemeClr val="tx1"/>
+                </a:solidFill>
+              </a:rPr>
+              <a:t>, Kafka, Flowable... </a:t>
+            </a:r>
+          </a:p>
+          <a:p>
+            <a:pPr lvl="1">
+              <a:buFont typeface="Wingdings" panose="05000000000000000000" pitchFamily="2" charset="2"/>
+              <a:buChar char="Ø"/>
+            </a:pPr>
+            <a:r>
+              <a:rPr lang="en-GB" sz="1400" dirty="0">
+                <a:solidFill>
+                  <a:schemeClr val="tx1"/>
+                </a:solidFill>
+              </a:rPr>
+              <a:t>Understand the business flows/ system concepts. </a:t>
+            </a:r>
+          </a:p>
+          <a:p>
+            <a:pPr lvl="1">
+              <a:buFont typeface="Wingdings" panose="05000000000000000000" pitchFamily="2" charset="2"/>
+              <a:buChar char="Ø"/>
+            </a:pPr>
+            <a:r>
+              <a:rPr lang="en-GB" sz="1400" dirty="0">
+                <a:solidFill>
+                  <a:schemeClr val="tx1"/>
+                </a:solidFill>
+              </a:rPr>
+              <a:t>Practice with various partners in team to get familiar with the delivery process. </a:t>
+            </a:r>
+          </a:p>
+          <a:p>
+            <a:pPr lvl="1">
+              <a:buFont typeface="Wingdings" panose="05000000000000000000" pitchFamily="2" charset="2"/>
+              <a:buChar char="Ø"/>
+            </a:pPr>
+            <a:r>
+              <a:rPr lang="en-GB" sz="1400" dirty="0">
+                <a:solidFill>
+                  <a:schemeClr val="tx1"/>
+                </a:solidFill>
+              </a:rPr>
+              <a:t>Perform the assigned tasks well. </a:t>
+            </a:r>
+          </a:p>
+          <a:p>
+            <a:pPr lvl="1">
+              <a:buFont typeface="Wingdings" panose="05000000000000000000" pitchFamily="2" charset="2"/>
+              <a:buChar char="Ø"/>
+            </a:pPr>
+            <a:r>
+              <a:rPr lang="en-GB" sz="1400" dirty="0">
+                <a:solidFill>
+                  <a:schemeClr val="tx1"/>
+                </a:solidFill>
+              </a:rPr>
+              <a:t>Be well-engaged with team / stakeholders. </a:t>
+            </a:r>
+          </a:p>
+          <a:p>
+            <a:pPr lvl="1">
+              <a:buFont typeface="Wingdings" panose="05000000000000000000" pitchFamily="2" charset="2"/>
+              <a:buChar char="Ø"/>
+            </a:pPr>
+            <a:r>
+              <a:rPr lang="en-GB" sz="1400" dirty="0">
+                <a:solidFill>
+                  <a:schemeClr val="tx1"/>
+                </a:solidFill>
+              </a:rPr>
+              <a:t>Attitude: honest, transparent, proactive. </a:t>
+            </a:r>
+          </a:p>
+          <a:p>
+            <a:r>
+              <a:rPr lang="en-GB" sz="1400" u="sng" dirty="0">
+                <a:solidFill>
+                  <a:schemeClr val="tx1"/>
+                </a:solidFill>
+              </a:rPr>
+              <a:t>Timeline: </a:t>
+            </a:r>
+            <a:r>
+              <a:rPr lang="en-GB" sz="1400" dirty="0">
+                <a:solidFill>
+                  <a:schemeClr val="tx1"/>
+                </a:solidFill>
+              </a:rPr>
+              <a:t>Follow timeline of release</a:t>
+            </a:r>
+          </a:p>
+          <a:p>
+            <a:r>
+              <a:rPr lang="en-GB" sz="1400" u="sng" dirty="0">
+                <a:solidFill>
+                  <a:schemeClr val="tx1"/>
+                </a:solidFill>
+              </a:rPr>
+              <a:t>Expectation:</a:t>
+            </a:r>
+          </a:p>
+          <a:p>
+            <a:pPr lvl="1">
+              <a:buFont typeface="Wingdings" panose="05000000000000000000" pitchFamily="2" charset="2"/>
+              <a:buChar char="Ø"/>
+            </a:pPr>
+            <a:r>
+              <a:rPr lang="en-GB" sz="1400" dirty="0">
+                <a:solidFill>
+                  <a:schemeClr val="tx1"/>
+                </a:solidFill>
+              </a:rPr>
+              <a:t>Qualified output corresponding with the assigned tasks.</a:t>
+            </a:r>
+          </a:p>
+          <a:p>
+            <a:pPr lvl="1">
+              <a:buFont typeface="Wingdings" panose="05000000000000000000" pitchFamily="2" charset="2"/>
+              <a:buChar char="Ø"/>
+            </a:pPr>
+            <a:r>
+              <a:rPr lang="en-GB" sz="1400" dirty="0">
+                <a:solidFill>
+                  <a:schemeClr val="tx1"/>
+                </a:solidFill>
+              </a:rPr>
+              <a:t>Good team engagement, integration and collaboration. </a:t>
+            </a:r>
+          </a:p>
+          <a:p>
+            <a:r>
+              <a:rPr lang="en-GB" sz="1400" u="sng" dirty="0">
+                <a:solidFill>
+                  <a:schemeClr val="tx1"/>
+                </a:solidFill>
+              </a:rPr>
+              <a:t>Escalation points:</a:t>
+            </a:r>
+          </a:p>
+          <a:p>
+            <a:pPr lvl="1">
+              <a:buFont typeface="Wingdings" panose="05000000000000000000" pitchFamily="2" charset="2"/>
+              <a:buChar char="Ø"/>
+            </a:pPr>
+            <a:r>
+              <a:rPr lang="en-GB" sz="1400" i="1" dirty="0">
+                <a:solidFill>
+                  <a:schemeClr val="tx1"/>
+                </a:solidFill>
+              </a:rPr>
+              <a:t>Mr. Nguyen Duc Thanh – Software Engineering Manager</a:t>
+            </a:r>
+          </a:p>
+          <a:p>
+            <a:pPr lvl="1">
+              <a:buFont typeface="Wingdings" panose="05000000000000000000" pitchFamily="2" charset="2"/>
+              <a:buChar char="Ø"/>
+            </a:pPr>
+            <a:r>
+              <a:rPr lang="en-GB" sz="1400" i="1" dirty="0">
+                <a:solidFill>
+                  <a:schemeClr val="tx1"/>
+                </a:solidFill>
+              </a:rPr>
+              <a:t>Mr. Nguyen Tran Huy Tan – Technology Delivery Manager</a:t>
+            </a:r>
+          </a:p>
+          <a:p>
+            <a:pPr lvl="1">
+              <a:buFont typeface="Wingdings" panose="05000000000000000000" pitchFamily="2" charset="2"/>
+              <a:buChar char="Ø"/>
+            </a:pPr>
+            <a:r>
+              <a:rPr lang="en-GB" sz="1400" i="1" dirty="0">
+                <a:solidFill>
+                  <a:schemeClr val="tx1"/>
+                </a:solidFill>
+              </a:rPr>
+              <a:t>Mr. Le Ba Trong Khang – Software and Data Engineering Manager</a:t>
+            </a:r>
+          </a:p>
+        </p:txBody>
+      </p:sp>
+      <p:graphicFrame>
+        <p:nvGraphicFramePr>
+          <p:cNvPr id="4" name="Table 5">
+            <a:extLst>
+              <a:ext uri="{FF2B5EF4-FFF2-40B4-BE49-F238E27FC236}">
+                <a16:creationId xmlns:a16="http://schemas.microsoft.com/office/drawing/2014/main" id="{5D2ADEED-580A-73B7-3E52-52A3ED6341C0}"/>
+              </a:ext>
+            </a:extLst>
+          </p:cNvPr>
+          <p:cNvGraphicFramePr>
+            <a:graphicFrameLocks noGrp="1"/>
+          </p:cNvGraphicFramePr>
+          <p:nvPr/>
+        </p:nvGraphicFramePr>
+        <p:xfrm>
+          <a:off x="7950515" y="1868547"/>
+          <a:ext cx="3993129" cy="2406517"/>
+        </p:xfrm>
+        <a:graphic>
+          <a:graphicData uri="http://schemas.openxmlformats.org/drawingml/2006/table">
+            <a:tbl>
+              <a:tblPr firstRow="1" bandRow="1">
+                <a:tableStyleId>{3B4B98B0-60AC-42C2-AFA5-B58CD77FA1E5}</a:tableStyleId>
+              </a:tblPr>
+              <a:tblGrid>
+                <a:gridCol w="2273857">
+                  <a:extLst>
+                    <a:ext uri="{9D8B030D-6E8A-4147-A177-3AD203B41FA5}">
+                      <a16:colId xmlns:a16="http://schemas.microsoft.com/office/drawing/2014/main" val="3849591492"/>
+                    </a:ext>
+                  </a:extLst>
+                </a:gridCol>
+                <a:gridCol w="1719272">
+                  <a:extLst>
+                    <a:ext uri="{9D8B030D-6E8A-4147-A177-3AD203B41FA5}">
+                      <a16:colId xmlns:a16="http://schemas.microsoft.com/office/drawing/2014/main" val="2328167865"/>
+                    </a:ext>
+                  </a:extLst>
+                </a:gridCol>
+              </a:tblGrid>
+              <a:tr h="340167">
+                <a:tc>
+                  <a:txBody>
+                    <a:bodyPr/>
+                    <a:lstStyle/>
+                    <a:p>
+                      <a:pPr algn="ctr"/>
+                      <a:r>
+                        <a:rPr lang="en-US" sz="1400" dirty="0"/>
+                        <a:t>Follow-up Schedule </a:t>
+                      </a:r>
+                    </a:p>
+                  </a:txBody>
+                  <a:tcPr/>
+                </a:tc>
+                <a:tc>
+                  <a:txBody>
+                    <a:bodyPr/>
+                    <a:lstStyle/>
+                    <a:p>
+                      <a:pPr algn="ctr"/>
+                      <a:r>
+                        <a:rPr lang="en-US" sz="1400" dirty="0"/>
+                        <a:t>Date </a:t>
+                      </a:r>
+                    </a:p>
+                  </a:txBody>
+                  <a:tcPr/>
+                </a:tc>
+                <a:extLst>
+                  <a:ext uri="{0D108BD9-81ED-4DB2-BD59-A6C34878D82A}">
+                    <a16:rowId xmlns:a16="http://schemas.microsoft.com/office/drawing/2014/main" val="120700337"/>
+                  </a:ext>
+                </a:extLst>
+              </a:tr>
+              <a:tr h="314329">
+                <a:tc>
+                  <a:txBody>
+                    <a:bodyPr/>
+                    <a:lstStyle/>
+                    <a:p>
+                      <a:pPr algn="ctr"/>
+                      <a:r>
+                        <a:rPr lang="en-US" sz="1400" dirty="0"/>
+                        <a:t>Project Kick-off </a:t>
+                      </a:r>
+                    </a:p>
+                  </a:txBody>
+                  <a:tcPr/>
+                </a:tc>
+                <a:tc>
+                  <a:txBody>
+                    <a:bodyPr/>
+                    <a:lstStyle/>
+                    <a:p>
+                      <a:pPr algn="ctr"/>
+                      <a:r>
+                        <a:rPr lang="en-US" sz="1400" dirty="0"/>
+                        <a:t>  03.04.2023</a:t>
+                      </a:r>
+                    </a:p>
+                  </a:txBody>
+                  <a:tcPr/>
+                </a:tc>
+                <a:extLst>
+                  <a:ext uri="{0D108BD9-81ED-4DB2-BD59-A6C34878D82A}">
+                    <a16:rowId xmlns:a16="http://schemas.microsoft.com/office/drawing/2014/main" val="3343067894"/>
+                  </a:ext>
+                </a:extLst>
+              </a:tr>
+              <a:tr h="340167">
+                <a:tc>
+                  <a:txBody>
+                    <a:bodyPr/>
+                    <a:lstStyle/>
+                    <a:p>
+                      <a:pPr algn="ctr"/>
+                      <a:r>
+                        <a:rPr lang="en-US" sz="1400" dirty="0"/>
+                        <a:t>1</a:t>
+                      </a:r>
+                      <a:r>
+                        <a:rPr lang="en-US" sz="1400" baseline="30000" dirty="0"/>
+                        <a:t>st </a:t>
+                      </a:r>
+                      <a:r>
+                        <a:rPr lang="en-US" sz="1400" dirty="0"/>
+                        <a:t>week Catchup </a:t>
+                      </a:r>
+                    </a:p>
+                  </a:txBody>
+                  <a:tcPr/>
+                </a:tc>
+                <a:tc>
+                  <a:txBody>
+                    <a:bodyPr/>
+                    <a:lstStyle/>
+                    <a:p>
+                      <a:pPr algn="ctr"/>
+                      <a:r>
+                        <a:rPr lang="en-US" sz="1400" dirty="0"/>
+                        <a:t>10.04.2023</a:t>
+                      </a:r>
+                    </a:p>
+                  </a:txBody>
+                  <a:tcPr/>
+                </a:tc>
+                <a:extLst>
+                  <a:ext uri="{0D108BD9-81ED-4DB2-BD59-A6C34878D82A}">
+                    <a16:rowId xmlns:a16="http://schemas.microsoft.com/office/drawing/2014/main" val="871608313"/>
+                  </a:ext>
+                </a:extLst>
+              </a:tr>
+              <a:tr h="340167">
+                <a:tc>
+                  <a:txBody>
+                    <a:bodyPr/>
+                    <a:lstStyle/>
+                    <a:p>
+                      <a:pPr marL="0" marR="0" lvl="0" indent="0" algn="ctr" defTabSz="914400" rtl="0" eaLnBrk="1" fontAlgn="auto" latinLnBrk="0" hangingPunct="1">
+                        <a:lnSpc>
+                          <a:spcPct val="100000"/>
+                        </a:lnSpc>
+                        <a:spcBef>
+                          <a:spcPts val="0"/>
+                        </a:spcBef>
+                        <a:spcAft>
+                          <a:spcPts val="0"/>
+                        </a:spcAft>
+                        <a:buClrTx/>
+                        <a:buSzTx/>
+                        <a:buFontTx/>
+                        <a:buNone/>
+                        <a:tabLst/>
+                        <a:defRPr/>
+                      </a:pPr>
+                      <a:r>
+                        <a:rPr lang="en-US" sz="1400" dirty="0"/>
+                        <a:t>1</a:t>
+                      </a:r>
+                      <a:r>
+                        <a:rPr lang="en-US" sz="1400" baseline="30000" dirty="0"/>
+                        <a:t>st </a:t>
+                      </a:r>
+                      <a:r>
+                        <a:rPr lang="en-US" sz="1400" dirty="0"/>
+                        <a:t> moth Catchup</a:t>
+                      </a:r>
+                    </a:p>
+                  </a:txBody>
+                  <a:tcPr/>
+                </a:tc>
+                <a:tc>
+                  <a:txBody>
+                    <a:bodyPr/>
+                    <a:lstStyle/>
+                    <a:p>
+                      <a:pPr algn="ctr"/>
+                      <a:r>
+                        <a:rPr lang="en-US" sz="1400" dirty="0"/>
+                        <a:t>08.05.2023</a:t>
+                      </a:r>
+                    </a:p>
+                  </a:txBody>
+                  <a:tcPr/>
+                </a:tc>
+                <a:extLst>
+                  <a:ext uri="{0D108BD9-81ED-4DB2-BD59-A6C34878D82A}">
+                    <a16:rowId xmlns:a16="http://schemas.microsoft.com/office/drawing/2014/main" val="178813356"/>
+                  </a:ext>
+                </a:extLst>
+              </a:tr>
+              <a:tr h="340167">
+                <a:tc>
+                  <a:txBody>
+                    <a:bodyPr/>
+                    <a:lstStyle/>
+                    <a:p>
+                      <a:pPr algn="ctr"/>
+                      <a:r>
+                        <a:rPr lang="en-US" sz="1400" dirty="0"/>
+                        <a:t>1</a:t>
+                      </a:r>
+                      <a:r>
+                        <a:rPr lang="en-US" sz="1400" baseline="30000" dirty="0"/>
+                        <a:t>st</a:t>
+                      </a:r>
+                      <a:r>
+                        <a:rPr lang="en-US" sz="1400" dirty="0"/>
+                        <a:t> Performance Follow-up</a:t>
+                      </a:r>
+                    </a:p>
+                  </a:txBody>
+                  <a:tcPr/>
+                </a:tc>
+                <a:tc>
+                  <a:txBody>
+                    <a:bodyPr/>
+                    <a:lstStyle/>
+                    <a:p>
+                      <a:pPr algn="ctr"/>
+                      <a:r>
+                        <a:rPr lang="en-US" sz="1400" dirty="0"/>
+                        <a:t>30.05.2023</a:t>
+                      </a:r>
+                    </a:p>
+                  </a:txBody>
+                  <a:tcPr/>
+                </a:tc>
+                <a:extLst>
+                  <a:ext uri="{0D108BD9-81ED-4DB2-BD59-A6C34878D82A}">
+                    <a16:rowId xmlns:a16="http://schemas.microsoft.com/office/drawing/2014/main" val="4088479550"/>
+                  </a:ext>
+                </a:extLst>
+              </a:tr>
+              <a:tr h="475301">
+                <a:tc>
+                  <a:txBody>
+                    <a:bodyPr/>
+                    <a:lstStyle/>
+                    <a:p>
+                      <a:pPr marL="0" marR="0" lvl="0" indent="0" algn="ctr" defTabSz="914400" rtl="0" eaLnBrk="1" fontAlgn="auto" latinLnBrk="0" hangingPunct="1">
+                        <a:lnSpc>
+                          <a:spcPct val="100000"/>
+                        </a:lnSpc>
+                        <a:spcBef>
+                          <a:spcPts val="0"/>
+                        </a:spcBef>
+                        <a:spcAft>
+                          <a:spcPts val="0"/>
+                        </a:spcAft>
+                        <a:buClrTx/>
+                        <a:buSzTx/>
+                        <a:buFontTx/>
+                        <a:buNone/>
+                        <a:tabLst/>
+                        <a:defRPr/>
+                      </a:pPr>
+                      <a:r>
+                        <a:rPr lang="en-US" sz="1400" dirty="0"/>
+                        <a:t>Quarterly Performance Follow-up</a:t>
+                      </a:r>
+                    </a:p>
+                  </a:txBody>
+                  <a:tcPr/>
+                </a:tc>
+                <a:tc>
+                  <a:txBody>
+                    <a:bodyPr/>
+                    <a:lstStyle/>
+                    <a:p>
+                      <a:pPr algn="ctr"/>
+                      <a:r>
+                        <a:rPr lang="en-US" sz="1400" dirty="0"/>
+                        <a:t>Every 3 months starting  from 30.05.2023</a:t>
+                      </a:r>
+                    </a:p>
+                  </a:txBody>
+                  <a:tcPr/>
+                </a:tc>
+                <a:extLst>
+                  <a:ext uri="{0D108BD9-81ED-4DB2-BD59-A6C34878D82A}">
+                    <a16:rowId xmlns:a16="http://schemas.microsoft.com/office/drawing/2014/main" val="1537309134"/>
+                  </a:ext>
+                </a:extLst>
+              </a:tr>
+            </a:tbl>
+          </a:graphicData>
+        </a:graphic>
+      </p:graphicFrame>
+    </p:spTree>
+    <p:extLst>
+      <p:ext uri="{BB962C8B-B14F-4D97-AF65-F5344CB8AC3E}">
+        <p14:creationId xmlns:p14="http://schemas.microsoft.com/office/powerpoint/2010/main" val="2757331660"/>
+      </p:ext>
+    </p:extLst>
+  </p:cSld>
+  <p:clrMapOvr>
+    <a:masterClrMapping/>
+  </p:clrMapOvr>
+</p:sld>
+</file>
+
+<file path=ppt/slides/slide4.xml><?xml version="1.0" encoding="utf-8"?>
 <p:sld xmlns:a="http://schemas.openxmlformats.org/drawingml/2006/main" xmlns:r="http://schemas.openxmlformats.org/officeDocument/2006/relationships" xmlns:p="http://schemas.openxmlformats.org/presentationml/2006/main">
   <p:cSld>
     <p:spTree>
@@ -28092,7 +29722,7 @@
 </p:sld>
 </file>
 
-<file path=ppt/slides/slide4.xml><?xml version="1.0" encoding="utf-8"?>
+<file path=ppt/slides/slide5.xml><?xml version="1.0" encoding="utf-8"?>
 <p:sld xmlns:a="http://schemas.openxmlformats.org/drawingml/2006/main" xmlns:r="http://schemas.openxmlformats.org/officeDocument/2006/relationships" xmlns:p="http://schemas.openxmlformats.org/presentationml/2006/main">
   <p:cSld>
     <p:spTree>
@@ -28244,7 +29874,7 @@
 </p:sld>
 </file>
 
-<file path=ppt/slides/slide5.xml><?xml version="1.0" encoding="utf-8"?>
+<file path=ppt/slides/slide6.xml><?xml version="1.0" encoding="utf-8"?>
 <p:sld xmlns:a="http://schemas.openxmlformats.org/drawingml/2006/main" xmlns:r="http://schemas.openxmlformats.org/officeDocument/2006/relationships" xmlns:p="http://schemas.openxmlformats.org/presentationml/2006/main">
   <p:cSld>
     <p:spTree>
@@ -32077,7 +33707,7 @@
 </p:sld>
 </file>
 
-<file path=ppt/slides/slide6.xml><?xml version="1.0" encoding="utf-8"?>
+<file path=ppt/slides/slide7.xml><?xml version="1.0" encoding="utf-8"?>
 <p:sld xmlns:a="http://schemas.openxmlformats.org/drawingml/2006/main" xmlns:r="http://schemas.openxmlformats.org/officeDocument/2006/relationships" xmlns:p="http://schemas.openxmlformats.org/presentationml/2006/main">
   <p:cSld>
     <p:spTree>
@@ -32333,7 +33963,7 @@
 </p:sld>
 </file>
 
-<file path=ppt/slides/slide7.xml><?xml version="1.0" encoding="utf-8"?>
+<file path=ppt/slides/slide8.xml><?xml version="1.0" encoding="utf-8"?>
 <p:sld xmlns:a="http://schemas.openxmlformats.org/drawingml/2006/main" xmlns:r="http://schemas.openxmlformats.org/officeDocument/2006/relationships" xmlns:p="http://schemas.openxmlformats.org/presentationml/2006/main">
   <p:cSld>
     <p:spTree>
@@ -32528,7 +34158,7 @@
             <a:fld id="{F825A250-9FB8-46AE-9D65-CD1D911AB755}" type="slidenum">
               <a:rPr lang="en-US" smtClean="0"/>
               <a:pPr/>
-              <a:t>7</a:t>
+              <a:t>8</a:t>
             </a:fld>
             <a:endParaRPr lang="en-US"/>
           </a:p>
@@ -33270,7 +34900,7 @@
 </p:sld>
 </file>
 
-<file path=ppt/slides/slide8.xml><?xml version="1.0" encoding="utf-8"?>
+<file path=ppt/slides/slide9.xml><?xml version="1.0" encoding="utf-8"?>
 <p:sld xmlns:a="http://schemas.openxmlformats.org/drawingml/2006/main" xmlns:r="http://schemas.openxmlformats.org/officeDocument/2006/relationships" xmlns:p="http://schemas.openxmlformats.org/presentationml/2006/main">
   <p:cSld>
     <p:spTree>
@@ -34113,12 +35743,9 @@
 </file>
 
 <file path=customXml/item1.xml><?xml version="1.0" encoding="utf-8"?>
-<?mso-contentType ?>
-<FormTemplates xmlns="http://schemas.microsoft.com/sharepoint/v3/contenttype/forms">
-  <Display>DocumentLibraryForm</Display>
-  <Edit>DocumentLibraryForm</Edit>
-  <New>DocumentLibraryForm</New>
-</FormTemplates>
+<p:properties xmlns:p="http://schemas.microsoft.com/office/2006/metadata/properties" xmlns:xsi="http://www.w3.org/2001/XMLSchema-instance" xmlns:pc="http://schemas.microsoft.com/office/infopath/2007/PartnerControls">
+  <documentManagement/>
+</p:properties>
 </file>
 
 <file path=customXml/item2.xml><?xml version="1.0" encoding="utf-8"?>
@@ -34254,15 +35881,26 @@
 </file>
 
 <file path=customXml/item3.xml><?xml version="1.0" encoding="utf-8"?>
-<p:properties xmlns:p="http://schemas.microsoft.com/office/2006/metadata/properties" xmlns:xsi="http://www.w3.org/2001/XMLSchema-instance" xmlns:pc="http://schemas.microsoft.com/office/infopath/2007/PartnerControls">
-  <documentManagement/>
-</p:properties>
+<?mso-contentType ?>
+<FormTemplates xmlns="http://schemas.microsoft.com/sharepoint/v3/contenttype/forms">
+  <Display>DocumentLibraryForm</Display>
+  <Edit>DocumentLibraryForm</Edit>
+  <New>DocumentLibraryForm</New>
+</FormTemplates>
 </file>
 
 <file path=customXml/itemProps1.xml><?xml version="1.0" encoding="utf-8"?>
-<ds:datastoreItem xmlns:ds="http://schemas.openxmlformats.org/officeDocument/2006/customXml" ds:itemID="{6BBAA4B7-E23C-49A7-9A9A-EF83D837DD8D}">
+<ds:datastoreItem xmlns:ds="http://schemas.openxmlformats.org/officeDocument/2006/customXml" ds:itemID="{4FC5C18A-128F-4559-832A-F3C400A854A4}">
   <ds:schemaRefs>
-    <ds:schemaRef ds:uri="http://schemas.microsoft.com/sharepoint/v3/contenttype/forms"/>
+    <ds:schemaRef ds:uri="bd7d3d2c-55f5-4cc3-b490-ffbb2142933b"/>
+    <ds:schemaRef ds:uri="http://purl.org/dc/dcmitype/"/>
+    <ds:schemaRef ds:uri="http://purl.org/dc/elements/1.1/"/>
+    <ds:schemaRef ds:uri="http://purl.org/dc/terms/"/>
+    <ds:schemaRef ds:uri="http://schemas.microsoft.com/office/2006/documentManagement/types"/>
+    <ds:schemaRef ds:uri="http://www.w3.org/XML/1998/namespace"/>
+    <ds:schemaRef ds:uri="http://schemas.microsoft.com/office/infopath/2007/PartnerControls"/>
+    <ds:schemaRef ds:uri="http://schemas.openxmlformats.org/package/2006/metadata/core-properties"/>
+    <ds:schemaRef ds:uri="http://schemas.microsoft.com/office/2006/metadata/properties"/>
   </ds:schemaRefs>
 </ds:datastoreItem>
 </file>
@@ -34286,17 +35924,9 @@
 </file>
 
 <file path=customXml/itemProps3.xml><?xml version="1.0" encoding="utf-8"?>
-<ds:datastoreItem xmlns:ds="http://schemas.openxmlformats.org/officeDocument/2006/customXml" ds:itemID="{4FC5C18A-128F-4559-832A-F3C400A854A4}">
+<ds:datastoreItem xmlns:ds="http://schemas.openxmlformats.org/officeDocument/2006/customXml" ds:itemID="{6BBAA4B7-E23C-49A7-9A9A-EF83D837DD8D}">
   <ds:schemaRefs>
-    <ds:schemaRef ds:uri="bd7d3d2c-55f5-4cc3-b490-ffbb2142933b"/>
-    <ds:schemaRef ds:uri="http://purl.org/dc/dcmitype/"/>
-    <ds:schemaRef ds:uri="http://purl.org/dc/elements/1.1/"/>
-    <ds:schemaRef ds:uri="http://purl.org/dc/terms/"/>
-    <ds:schemaRef ds:uri="http://schemas.microsoft.com/office/2006/documentManagement/types"/>
-    <ds:schemaRef ds:uri="http://www.w3.org/XML/1998/namespace"/>
-    <ds:schemaRef ds:uri="http://schemas.microsoft.com/office/infopath/2007/PartnerControls"/>
-    <ds:schemaRef ds:uri="http://schemas.openxmlformats.org/package/2006/metadata/core-properties"/>
-    <ds:schemaRef ds:uri="http://schemas.microsoft.com/office/2006/metadata/properties"/>
+    <ds:schemaRef ds:uri="http://schemas.microsoft.com/sharepoint/v3/contenttype/forms"/>
   </ds:schemaRefs>
 </ds:datastoreItem>
 </file>